--- a/presentaties/PresentatieSprint2.pptx
+++ b/presentaties/PresentatieSprint2.pptx
@@ -15,8 +15,8 @@
     <p:sldId id="270" r:id="rId6"/>
     <p:sldId id="267" r:id="rId7"/>
     <p:sldId id="268" r:id="rId8"/>
-    <p:sldId id="269" r:id="rId9"/>
-    <p:sldId id="264" r:id="rId10"/>
+    <p:sldId id="271" r:id="rId9"/>
+    <p:sldId id="269" r:id="rId10"/>
   </p:sldIdLst>
   <p:sldSz cx="17338675" cy="9753600"/>
   <p:notesSz cx="6858000" cy="9144000"/>
@@ -216,7 +216,7 @@
           <a:p>
             <a:fld id="{86680C0C-85DF-417F-8238-DB0D15743621}" type="datetimeFigureOut">
               <a:rPr lang="en-GB" smtClean="0"/>
-              <a:t>18/04/2019</a:t>
+              <a:t>23/04/2019</a:t>
             </a:fld>
             <a:endParaRPr lang="en-GB"/>
           </a:p>
@@ -602,7 +602,7 @@
           <a:p>
             <a:fld id="{5A24147F-ED97-47AF-A1B3-C82A179CF7F3}" type="datetime1">
               <a:rPr lang="nl-NL" smtClean="0"/>
-              <a:t>18-4-2019</a:t>
+              <a:t>23-4-2019</a:t>
             </a:fld>
             <a:endParaRPr lang="en-GB"/>
           </a:p>
@@ -1680,7 +1680,7 @@
           <a:p>
             <a:fld id="{25470885-0B31-4E06-AE71-7E16801F2838}" type="datetime1">
               <a:rPr lang="nl-BE" noProof="0" smtClean="0"/>
-              <a:t>18/04/2019</a:t>
+              <a:t>23/04/2019</a:t>
             </a:fld>
             <a:endParaRPr lang="nl-BE" noProof="0" dirty="0"/>
           </a:p>
@@ -1798,7 +1798,7 @@
           <a:p>
             <a:fld id="{E7410F60-8C93-4C37-B51A-4DDAE36F7E9B}" type="datetime1">
               <a:rPr lang="nl-BE" noProof="0" smtClean="0"/>
-              <a:t>18/04/2019</a:t>
+              <a:t>23/04/2019</a:t>
             </a:fld>
             <a:endParaRPr lang="nl-BE" noProof="0" dirty="0"/>
           </a:p>
@@ -2077,7 +2077,7 @@
           <a:p>
             <a:fld id="{656594B6-17DF-4759-A7A5-128AFEA77F2C}" type="datetime1">
               <a:rPr lang="nl-BE" noProof="0" smtClean="0"/>
-              <a:t>18/04/2019</a:t>
+              <a:t>23/04/2019</a:t>
             </a:fld>
             <a:endParaRPr lang="nl-BE" noProof="0" dirty="0"/>
           </a:p>
@@ -2218,7 +2218,7 @@
           <a:p>
             <a:fld id="{66A81384-1200-4D40-BEF0-3A17A1F906F4}" type="datetime1">
               <a:rPr lang="nl-NL" noProof="0" smtClean="0"/>
-              <a:t>18-4-2019</a:t>
+              <a:t>23-4-2019</a:t>
             </a:fld>
             <a:endParaRPr lang="nl-NL" noProof="0" dirty="0"/>
           </a:p>
@@ -2759,7 +2759,7 @@
           <a:p>
             <a:fld id="{FA870D1A-A3AB-4E9F-892E-C45B5A80FDBF}" type="datetime1">
               <a:rPr lang="nl-BE" noProof="0" smtClean="0"/>
-              <a:t>18/04/2019</a:t>
+              <a:t>23/04/2019</a:t>
             </a:fld>
             <a:endParaRPr lang="nl-BE" noProof="0" dirty="0"/>
           </a:p>
@@ -4136,8 +4136,12 @@
           <a:p>
             <a:pPr lvl="2"/>
             <a:r>
-              <a:rPr lang="nl-NL" dirty="0"/>
-              <a:t>Vliegpaden, obstakels, scan zones</a:t>
+              <a:rPr lang="nl-NL"/>
+              <a:t>Vliegroutes, obstakels en </a:t>
+            </a:r>
+            <a:r>
+              <a:rPr lang="nl-NL" dirty="0"/>
+              <a:t>scan zones</a:t>
             </a:r>
           </a:p>
           <a:p>
@@ -4400,7 +4404,7 @@
           <a:p>
             <a:r>
               <a:rPr lang="nl-NL" dirty="0"/>
-              <a:t>Vliegpaden valideren</a:t>
+              <a:t>Vliegroutes valideren</a:t>
             </a:r>
           </a:p>
         </p:txBody>
@@ -4451,7 +4455,7 @@
             <a:pPr lvl="2"/>
             <a:r>
               <a:rPr lang="nl-NL" dirty="0"/>
-              <a:t>corrigeren van onmogelijke paden door obstakels</a:t>
+              <a:t>corrigeren van onmogelijke routes door obstakels</a:t>
             </a:r>
           </a:p>
           <a:p>
@@ -4498,7 +4502,7 @@
     </p:spTree>
     <p:extLst>
       <p:ext uri="{BB962C8B-B14F-4D97-AF65-F5344CB8AC3E}">
-        <p14:creationId xmlns:p14="http://schemas.microsoft.com/office/powerpoint/2010/main" val="3841936152"/>
+        <p14:creationId xmlns:p14="http://schemas.microsoft.com/office/powerpoint/2010/main" val="3677996633"/>
       </p:ext>
     </p:extLst>
   </p:cSld>
@@ -4527,12 +4531,43 @@
       </p:grpSpPr>
       <p:sp>
         <p:nvSpPr>
-          <p:cNvPr id="4" name="Tijdelijke aanduiding voor tekst 3"/>
-          <p:cNvSpPr>
-            <a:spLocks noGrp="1"/>
-          </p:cNvSpPr>
-          <p:nvPr>
-            <p:ph type="body" sz="quarter" idx="10"/>
+          <p:cNvPr id="2" name="Titel 1"/>
+          <p:cNvSpPr>
+            <a:spLocks noGrp="1"/>
+          </p:cNvSpPr>
+          <p:nvPr>
+            <p:ph type="title"/>
+          </p:nvPr>
+        </p:nvSpPr>
+        <p:spPr>
+          <a:xfrm>
+            <a:off x="830118" y="136025"/>
+            <a:ext cx="15705282" cy="863693"/>
+          </a:xfrm>
+        </p:spPr>
+        <p:txBody>
+          <a:bodyPr/>
+          <a:lstStyle/>
+          <a:p>
+            <a:r>
+              <a:rPr lang="nl-NL" dirty="0" err="1"/>
+              <a:t>Mockup</a:t>
+            </a:r>
+            <a:r>
+              <a:rPr lang="nl-NL" dirty="0"/>
+              <a:t> Drone</a:t>
+            </a:r>
+          </a:p>
+        </p:txBody>
+      </p:sp>
+      <p:sp>
+        <p:nvSpPr>
+          <p:cNvPr id="3" name="Tijdelijke aanduiding voor inhoud 2"/>
+          <p:cNvSpPr>
+            <a:spLocks noGrp="1"/>
+          </p:cNvSpPr>
+          <p:nvPr>
+            <p:ph idx="1"/>
           </p:nvPr>
         </p:nvSpPr>
         <p:spPr/>
@@ -4542,53 +4577,50 @@
           </a:bodyPr>
           <a:lstStyle/>
           <a:p>
-            <a:pPr marL="85725" indent="0">
-              <a:buNone/>
-            </a:pPr>
-            <a:r>
-              <a:rPr lang="nl-NL" sz="2400" dirty="0" err="1"/>
-              <a:t>Ghent</a:t>
-            </a:r>
-            <a:r>
-              <a:rPr lang="nl-NL" sz="2400" dirty="0"/>
-              <a:t> University</a:t>
-            </a:r>
-            <a:br>
-              <a:rPr lang="nl-NL" sz="2400" dirty="0"/>
-            </a:br>
-            <a:r>
-              <a:rPr lang="nl-NL" sz="2400" dirty="0"/>
-              <a:t>@</a:t>
-            </a:r>
-            <a:r>
-              <a:rPr lang="nl-NL" sz="2400" dirty="0" err="1"/>
-              <a:t>ugent</a:t>
-            </a:r>
-            <a:br>
-              <a:rPr lang="nl-NL" sz="2400" dirty="0"/>
-            </a:br>
-            <a:r>
-              <a:rPr lang="nl-NL" sz="2400" dirty="0" err="1"/>
-              <a:t>Ghent</a:t>
-            </a:r>
-            <a:r>
-              <a:rPr lang="nl-NL" sz="2400" dirty="0"/>
-              <a:t> University</a:t>
+            <a:r>
+              <a:rPr lang="nl-NL" dirty="0"/>
+              <a:t>Ontvangen van commando signalen	</a:t>
+            </a:r>
+          </a:p>
+          <a:p>
+            <a:pPr lvl="1"/>
+            <a:r>
+              <a:rPr lang="nl-NL" dirty="0"/>
+              <a:t>Start, stop, pauze</a:t>
+            </a:r>
+          </a:p>
+          <a:p>
+            <a:pPr lvl="1"/>
+            <a:r>
+              <a:rPr lang="nl-NL" dirty="0"/>
+              <a:t>Vliegen naar een coördinaat</a:t>
+            </a:r>
+          </a:p>
+          <a:p>
+            <a:r>
+              <a:rPr lang="nl-NL" dirty="0"/>
+              <a:t>Versturen van gegenereerde data</a:t>
             </a:r>
           </a:p>
           <a:p>
             <a:endParaRPr lang="nl-NL" dirty="0"/>
           </a:p>
-        </p:txBody>
-      </p:sp>
-      <p:sp>
-        <p:nvSpPr>
-          <p:cNvPr id="2" name="Title 1"/>
-          <p:cNvSpPr>
-            <a:spLocks noGrp="1"/>
-          </p:cNvSpPr>
-          <p:nvPr>
-            <p:ph type="ctrTitle"/>
+          <a:p>
+            <a:endParaRPr lang="nl-NL" dirty="0"/>
+          </a:p>
+          <a:p>
+            <a:endParaRPr lang="nl-NL" dirty="0"/>
+          </a:p>
+        </p:txBody>
+      </p:sp>
+      <p:sp>
+        <p:nvSpPr>
+          <p:cNvPr id="4" name="Tijdelijke aanduiding voor dianummer 3"/>
+          <p:cNvSpPr>
+            <a:spLocks noGrp="1"/>
+          </p:cNvSpPr>
+          <p:nvPr>
+            <p:ph type="sldNum" sz="quarter" idx="12"/>
           </p:nvPr>
         </p:nvSpPr>
         <p:spPr/>
@@ -4596,165 +4628,18 @@
           <a:bodyPr/>
           <a:lstStyle/>
           <a:p>
-            <a:r>
-              <a:rPr lang="nl-BE" sz="3500" dirty="0"/>
-              <a:t>&lt; naam presentator &gt;</a:t>
-            </a:r>
-            <a:br>
-              <a:rPr lang="nl-BE" dirty="0"/>
-            </a:br>
-            <a:r>
-              <a:rPr lang="nl-BE" dirty="0"/>
-              <a:t>&lt; functie &gt;</a:t>
-            </a:r>
-            <a:br>
-              <a:rPr lang="nl-BE" dirty="0"/>
-            </a:br>
-            <a:br>
-              <a:rPr lang="nl-BE" dirty="0"/>
-            </a:br>
-            <a:r>
-              <a:rPr lang="nl-BE" cap="all" dirty="0"/>
-              <a:t>&lt; directie, afdeling of dienst &gt;</a:t>
-            </a:r>
-            <a:br>
-              <a:rPr lang="nl-BE" cap="all" dirty="0"/>
-            </a:br>
-            <a:br>
-              <a:rPr lang="nl-BE" dirty="0"/>
-            </a:br>
-            <a:r>
-              <a:rPr lang="nl-BE" dirty="0"/>
-              <a:t>E	&lt;voornaam&gt;.&lt;achternaam&gt;@ugent.be</a:t>
-            </a:r>
-            <a:br>
-              <a:rPr lang="nl-BE" dirty="0"/>
-            </a:br>
-            <a:r>
-              <a:rPr lang="nl-BE" dirty="0"/>
-              <a:t>T	+32 9 000 00 00</a:t>
-            </a:r>
-            <a:br>
-              <a:rPr lang="nl-BE" dirty="0"/>
-            </a:br>
-            <a:r>
-              <a:rPr lang="nl-BE" dirty="0"/>
-              <a:t>M	+32 400 00 00 00</a:t>
-            </a:r>
-            <a:br>
-              <a:rPr lang="nl-BE" dirty="0"/>
-            </a:br>
-            <a:br>
-              <a:rPr lang="nl-BE" dirty="0"/>
-            </a:br>
-            <a:r>
-              <a:rPr lang="nl-BE" dirty="0"/>
-              <a:t>www.ugent.be</a:t>
-            </a:r>
-            <a:br>
-              <a:rPr lang="nl-BE" dirty="0"/>
-            </a:br>
-            <a:br>
-              <a:rPr lang="nl-BE" dirty="0"/>
-            </a:br>
-            <a:endParaRPr lang="nl-BE" dirty="0"/>
-          </a:p>
-        </p:txBody>
-      </p:sp>
-      <p:pic>
-        <p:nvPicPr>
-          <p:cNvPr id="5" name="Picture 9"/>
-          <p:cNvPicPr>
-            <a:picLocks noChangeAspect="1"/>
-          </p:cNvPicPr>
-          <p:nvPr/>
-        </p:nvPicPr>
-        <p:blipFill>
-          <a:blip r:embed="rId2" cstate="print">
-            <a:extLst>
-              <a:ext uri="{28A0092B-C50C-407E-A947-70E740481C1C}">
-                <a14:useLocalDpi xmlns:a14="http://schemas.microsoft.com/office/drawing/2010/main" val="0"/>
-              </a:ext>
-            </a:extLst>
-          </a:blip>
-          <a:stretch>
-            <a:fillRect/>
-          </a:stretch>
-        </p:blipFill>
-        <p:spPr>
-          <a:xfrm>
-            <a:off x="8710619" y="3175459"/>
-            <a:ext cx="280417" cy="335281"/>
-          </a:xfrm>
-          <a:prstGeom prst="rect">
-            <a:avLst/>
-          </a:prstGeom>
-        </p:spPr>
-      </p:pic>
-      <p:pic>
-        <p:nvPicPr>
-          <p:cNvPr id="6" name="Picture 10"/>
-          <p:cNvPicPr>
-            <a:picLocks noChangeAspect="1"/>
-          </p:cNvPicPr>
-          <p:nvPr/>
-        </p:nvPicPr>
-        <p:blipFill>
-          <a:blip r:embed="rId3" cstate="print">
-            <a:extLst>
-              <a:ext uri="{28A0092B-C50C-407E-A947-70E740481C1C}">
-                <a14:useLocalDpi xmlns:a14="http://schemas.microsoft.com/office/drawing/2010/main" val="0"/>
-              </a:ext>
-            </a:extLst>
-          </a:blip>
-          <a:stretch>
-            <a:fillRect/>
-          </a:stretch>
-        </p:blipFill>
-        <p:spPr>
-          <a:xfrm>
-            <a:off x="8710618" y="3592583"/>
-            <a:ext cx="280417" cy="356617"/>
-          </a:xfrm>
-          <a:prstGeom prst="rect">
-            <a:avLst/>
-          </a:prstGeom>
-        </p:spPr>
-      </p:pic>
-      <p:pic>
-        <p:nvPicPr>
-          <p:cNvPr id="7" name="Picture 11"/>
-          <p:cNvPicPr>
-            <a:picLocks noChangeAspect="1"/>
-          </p:cNvPicPr>
-          <p:nvPr/>
-        </p:nvPicPr>
-        <p:blipFill>
-          <a:blip r:embed="rId4" cstate="print">
-            <a:extLst>
-              <a:ext uri="{28A0092B-C50C-407E-A947-70E740481C1C}">
-                <a14:useLocalDpi xmlns:a14="http://schemas.microsoft.com/office/drawing/2010/main" val="0"/>
-              </a:ext>
-            </a:extLst>
-          </a:blip>
-          <a:stretch>
-            <a:fillRect/>
-          </a:stretch>
-        </p:blipFill>
-        <p:spPr>
-          <a:xfrm>
-            <a:off x="8710619" y="4117291"/>
-            <a:ext cx="280417" cy="280417"/>
-          </a:xfrm>
-          <a:prstGeom prst="rect">
-            <a:avLst/>
-          </a:prstGeom>
-        </p:spPr>
-      </p:pic>
+            <a:fld id="{7AE184E0-0BD4-4705-A12B-9B71DDE63301}" type="slidenum">
+              <a:rPr lang="nl-BE" noProof="0" smtClean="0"/>
+              <a:t>9</a:t>
+            </a:fld>
+            <a:endParaRPr lang="nl-BE" noProof="0" dirty="0"/>
+          </a:p>
+        </p:txBody>
+      </p:sp>
     </p:spTree>
     <p:extLst>
       <p:ext uri="{BB962C8B-B14F-4D97-AF65-F5344CB8AC3E}">
-        <p14:creationId xmlns:p14="http://schemas.microsoft.com/office/powerpoint/2010/main" val="411963799"/>
+        <p14:creationId xmlns:p14="http://schemas.microsoft.com/office/powerpoint/2010/main" val="3841936152"/>
       </p:ext>
     </p:extLst>
   </p:cSld>

--- a/presentaties/PresentatieSprint2.pptx
+++ b/presentaties/PresentatieSprint2.pptx
@@ -3606,7 +3606,17 @@
             </a:r>
             <a:r>
               <a:rPr lang="nl-NL" dirty="0"/>
-              <a:t>: sprint 2 (gerealiseerd)</a:t>
+              <a:t>: sprint 2 (gerealiseerd </a:t>
+            </a:r>
+            <a:r>
+              <a:rPr lang="nl-NL" dirty="0">
+                <a:sym typeface="Wingdings" panose="05000000000000000000" pitchFamily="2" charset="2"/>
+              </a:rPr>
+              <a:t>💪</a:t>
+            </a:r>
+            <a:r>
+              <a:rPr lang="nl-NL" dirty="0"/>
+              <a:t>)</a:t>
             </a:r>
           </a:p>
         </p:txBody>
@@ -3750,12 +3760,12 @@
           <a:lstStyle/>
           <a:p>
             <a:r>
-              <a:rPr lang="nl-NL" dirty="0" err="1"/>
+              <a:rPr lang="nl-NL" sz="4800" dirty="0" err="1"/>
               <a:t>Backlog</a:t>
             </a:r>
             <a:r>
-              <a:rPr lang="nl-NL" dirty="0"/>
-              <a:t>: sprint 2 (niet gerealiseerd)</a:t>
+              <a:rPr lang="nl-NL" sz="4800" dirty="0"/>
+              <a:t>: sprint 2 (niet gerealiseerd 😢)</a:t>
             </a:r>
           </a:p>
         </p:txBody>
@@ -4136,12 +4146,8 @@
           <a:p>
             <a:pPr lvl="2"/>
             <a:r>
-              <a:rPr lang="nl-NL"/>
-              <a:t>Vliegroutes, obstakels en </a:t>
-            </a:r>
-            <a:r>
-              <a:rPr lang="nl-NL" dirty="0"/>
-              <a:t>scan zones</a:t>
+              <a:rPr lang="nl-NL" dirty="0"/>
+              <a:t>Vliegroutes, obstakels en scan zones</a:t>
             </a:r>
           </a:p>
           <a:p>

--- a/presentaties/PresentatieSprint2.pptx
+++ b/presentaties/PresentatieSprint2.pptx
@@ -5,7 +5,7 @@
     <p:sldMasterId id="2147483660" r:id="rId1"/>
   </p:sldMasterIdLst>
   <p:notesMasterIdLst>
-    <p:notesMasterId r:id="rId11"/>
+    <p:notesMasterId r:id="rId14"/>
   </p:notesMasterIdLst>
   <p:sldIdLst>
     <p:sldId id="256" r:id="rId2"/>
@@ -13,10 +13,13 @@
     <p:sldId id="265" r:id="rId4"/>
     <p:sldId id="266" r:id="rId5"/>
     <p:sldId id="270" r:id="rId6"/>
-    <p:sldId id="267" r:id="rId7"/>
-    <p:sldId id="268" r:id="rId8"/>
+    <p:sldId id="275" r:id="rId7"/>
+    <p:sldId id="267" r:id="rId8"/>
     <p:sldId id="271" r:id="rId9"/>
     <p:sldId id="269" r:id="rId10"/>
+    <p:sldId id="272" r:id="rId11"/>
+    <p:sldId id="273" r:id="rId12"/>
+    <p:sldId id="274" r:id="rId13"/>
   </p:sldIdLst>
   <p:sldSz cx="17338675" cy="9753600"/>
   <p:notesSz cx="6858000" cy="9144000"/>
@@ -511,7 +514,12 @@
             <p:ph type="sldImg"/>
           </p:nvPr>
         </p:nvSpPr>
-        <p:spPr/>
+        <p:spPr>
+          <a:xfrm>
+            <a:off x="687388" y="1143000"/>
+            <a:ext cx="5483225" cy="3086100"/>
+          </a:xfrm>
+        </p:spPr>
       </p:sp>
       <p:sp>
         <p:nvSpPr>
@@ -559,6 +567,95 @@
     <p:extLst>
       <p:ext uri="{BB962C8B-B14F-4D97-AF65-F5344CB8AC3E}">
         <p14:creationId xmlns:p14="http://schemas.microsoft.com/office/powerpoint/2010/main" val="3871061518"/>
+      </p:ext>
+    </p:extLst>
+  </p:cSld>
+  <p:clrMapOvr>
+    <a:masterClrMapping/>
+  </p:clrMapOvr>
+</p:notes>
+</file>
+
+<file path=ppt/notesSlides/notesSlide2.xml><?xml version="1.0" encoding="utf-8"?>
+<p:notes xmlns:a="http://schemas.openxmlformats.org/drawingml/2006/main" xmlns:r="http://schemas.openxmlformats.org/officeDocument/2006/relationships" xmlns:p="http://schemas.openxmlformats.org/presentationml/2006/main">
+  <p:cSld>
+    <p:spTree>
+      <p:nvGrpSpPr>
+        <p:cNvPr id="1" name=""/>
+        <p:cNvGrpSpPr/>
+        <p:nvPr/>
+      </p:nvGrpSpPr>
+      <p:grpSpPr>
+        <a:xfrm>
+          <a:off x="0" y="0"/>
+          <a:ext cx="0" cy="0"/>
+          <a:chOff x="0" y="0"/>
+          <a:chExt cx="0" cy="0"/>
+        </a:xfrm>
+      </p:grpSpPr>
+      <p:sp>
+        <p:nvSpPr>
+          <p:cNvPr id="2" name="Slide Image Placeholder 1"/>
+          <p:cNvSpPr>
+            <a:spLocks noGrp="1" noRot="1" noChangeAspect="1"/>
+          </p:cNvSpPr>
+          <p:nvPr>
+            <p:ph type="sldImg"/>
+          </p:nvPr>
+        </p:nvSpPr>
+        <p:spPr>
+          <a:xfrm>
+            <a:off x="687388" y="1143000"/>
+            <a:ext cx="5483225" cy="3086100"/>
+          </a:xfrm>
+        </p:spPr>
+      </p:sp>
+      <p:sp>
+        <p:nvSpPr>
+          <p:cNvPr id="3" name="Notes Placeholder 2"/>
+          <p:cNvSpPr>
+            <a:spLocks noGrp="1"/>
+          </p:cNvSpPr>
+          <p:nvPr>
+            <p:ph type="body" idx="1"/>
+          </p:nvPr>
+        </p:nvSpPr>
+        <p:spPr/>
+        <p:txBody>
+          <a:bodyPr/>
+          <a:lstStyle/>
+          <a:p>
+            <a:endParaRPr lang="en-GB"/>
+          </a:p>
+        </p:txBody>
+      </p:sp>
+      <p:sp>
+        <p:nvSpPr>
+          <p:cNvPr id="4" name="Slide Number Placeholder 3"/>
+          <p:cNvSpPr>
+            <a:spLocks noGrp="1"/>
+          </p:cNvSpPr>
+          <p:nvPr>
+            <p:ph type="sldNum" sz="quarter" idx="10"/>
+          </p:nvPr>
+        </p:nvSpPr>
+        <p:spPr/>
+        <p:txBody>
+          <a:bodyPr/>
+          <a:lstStyle/>
+          <a:p>
+            <a:fld id="{539A0A48-EDB1-4AFE-B1B7-10CE2A416496}" type="slidenum">
+              <a:rPr lang="en-GB" smtClean="0"/>
+              <a:t>6</a:t>
+            </a:fld>
+            <a:endParaRPr lang="en-GB"/>
+          </a:p>
+        </p:txBody>
+      </p:sp>
+    </p:spTree>
+    <p:extLst>
+      <p:ext uri="{BB962C8B-B14F-4D97-AF65-F5344CB8AC3E}">
+        <p14:creationId xmlns:p14="http://schemas.microsoft.com/office/powerpoint/2010/main" val="2517557261"/>
       </p:ext>
     </p:extLst>
   </p:cSld>
@@ -749,7 +846,7 @@
           <a:lstStyle/>
           <a:p>
             <a:pPr algn="ctr"/>
-            <a:endParaRPr lang="nl-BE" noProof="0" dirty="0"/>
+            <a:endParaRPr lang="nl-BE" sz="2560" noProof="0" dirty="0"/>
           </a:p>
         </p:txBody>
       </p:sp>
@@ -765,8 +862,8 @@
         </p:nvSpPr>
         <p:spPr bwMode="white">
           <a:xfrm>
-            <a:off x="1291074" y="2286000"/>
-            <a:ext cx="15183366" cy="4436316"/>
+            <a:off x="1291073" y="2286000"/>
+            <a:ext cx="15183367" cy="4436316"/>
           </a:xfrm>
         </p:spPr>
         <p:txBody>
@@ -831,35 +928,35 @@
                 </a:solidFill>
               </a:defRPr>
             </a:lvl1pPr>
-            <a:lvl2pPr marL="650184" indent="0" algn="ctr">
+            <a:lvl2pPr marL="650136" indent="0" algn="ctr">
               <a:buNone/>
               <a:defRPr sz="2844"/>
             </a:lvl2pPr>
-            <a:lvl3pPr marL="1300368" indent="0" algn="ctr">
+            <a:lvl3pPr marL="1300270" indent="0" algn="ctr">
               <a:buNone/>
               <a:defRPr sz="2560"/>
             </a:lvl3pPr>
-            <a:lvl4pPr marL="1950552" indent="0" algn="ctr">
+            <a:lvl4pPr marL="1950406" indent="0" algn="ctr">
               <a:buNone/>
               <a:defRPr sz="2275"/>
             </a:lvl4pPr>
-            <a:lvl5pPr marL="2600736" indent="0" algn="ctr">
+            <a:lvl5pPr marL="2600542" indent="0" algn="ctr">
               <a:buNone/>
               <a:defRPr sz="2275"/>
             </a:lvl5pPr>
-            <a:lvl6pPr marL="3250921" indent="0" algn="ctr">
+            <a:lvl6pPr marL="3250677" indent="0" algn="ctr">
               <a:buNone/>
               <a:defRPr sz="2275"/>
             </a:lvl6pPr>
-            <a:lvl7pPr marL="3901105" indent="0" algn="ctr">
+            <a:lvl7pPr marL="3900813" indent="0" algn="ctr">
               <a:buNone/>
               <a:defRPr sz="2275"/>
             </a:lvl7pPr>
-            <a:lvl8pPr marL="4551289" indent="0" algn="ctr">
+            <a:lvl8pPr marL="4550949" indent="0" algn="ctr">
               <a:buNone/>
               <a:defRPr sz="2275"/>
             </a:lvl8pPr>
-            <a:lvl9pPr marL="5201473" indent="0" algn="ctr">
+            <a:lvl9pPr marL="5201083" indent="0" algn="ctr">
               <a:buNone/>
               <a:defRPr sz="2275"/>
             </a:lvl9pPr>
@@ -896,7 +993,7 @@
         </p:nvSpPr>
         <p:spPr>
           <a:xfrm>
-            <a:off x="1371600" y="6408000"/>
+            <a:off x="1371602" y="6408000"/>
             <a:ext cx="15012000" cy="576000"/>
           </a:xfrm>
           <a:prstGeom prst="rect">
@@ -930,7 +1027,7 @@
           <a:lstStyle/>
           <a:p>
             <a:pPr algn="ctr"/>
-            <a:endParaRPr lang="en-GB"/>
+            <a:endParaRPr lang="en-GB" sz="2560"/>
           </a:p>
         </p:txBody>
       </p:sp>
@@ -946,8 +1043,8 @@
         </p:nvSpPr>
         <p:spPr bwMode="white">
           <a:xfrm>
-            <a:off x="8564451" y="388531"/>
-            <a:ext cx="8293993" cy="540000"/>
+            <a:off x="8564452" y="388531"/>
+            <a:ext cx="8293992" cy="540000"/>
           </a:xfrm>
         </p:spPr>
         <p:txBody>
@@ -1195,7 +1292,7 @@
           <a:lstStyle/>
           <a:p>
             <a:pPr algn="ctr"/>
-            <a:endParaRPr lang="nl-NL"/>
+            <a:endParaRPr lang="nl-NL" sz="2560"/>
           </a:p>
         </p:txBody>
       </p:sp>
@@ -1221,8 +1318,8 @@
         </p:blipFill>
         <p:spPr>
           <a:xfrm>
-            <a:off x="464400" y="0"/>
-            <a:ext cx="5572798" cy="1393200"/>
+            <a:off x="464399" y="0"/>
+            <a:ext cx="5572799" cy="1393200"/>
           </a:xfrm>
           <a:prstGeom prst="rect">
             <a:avLst/>
@@ -1298,7 +1395,7 @@
           <a:lstStyle/>
           <a:p>
             <a:pPr algn="ctr"/>
-            <a:endParaRPr lang="nl-BE" noProof="0" dirty="0"/>
+            <a:endParaRPr lang="nl-BE" sz="2560" noProof="0" dirty="0"/>
           </a:p>
         </p:txBody>
       </p:sp>
@@ -1314,8 +1411,8 @@
         </p:nvSpPr>
         <p:spPr bwMode="white">
           <a:xfrm>
-            <a:off x="1291074" y="3246120"/>
-            <a:ext cx="15183366" cy="4436316"/>
+            <a:off x="1291073" y="3246120"/>
+            <a:ext cx="15183367" cy="4436316"/>
           </a:xfrm>
         </p:spPr>
         <p:txBody>
@@ -1355,7 +1452,7 @@
         </p:nvSpPr>
         <p:spPr>
           <a:xfrm>
-            <a:off x="1371600" y="7344000"/>
+            <a:off x="1371602" y="7344000"/>
             <a:ext cx="15012000" cy="576000"/>
           </a:xfrm>
           <a:prstGeom prst="rect">
@@ -1389,7 +1486,7 @@
           <a:lstStyle/>
           <a:p>
             <a:pPr algn="ctr"/>
-            <a:endParaRPr lang="en-GB"/>
+            <a:endParaRPr lang="en-GB" sz="2560"/>
           </a:p>
         </p:txBody>
       </p:sp>
@@ -1405,7 +1502,7 @@
         </p:nvSpPr>
         <p:spPr>
           <a:xfrm>
-            <a:off x="15590520" y="8948703"/>
+            <a:off x="15590520" y="8948711"/>
             <a:ext cx="921880" cy="519289"/>
           </a:xfrm>
           <a:prstGeom prst="rect">
@@ -1475,7 +1572,7 @@
           <a:lstStyle/>
           <a:p>
             <a:pPr algn="ctr"/>
-            <a:endParaRPr lang="nl-NL"/>
+            <a:endParaRPr lang="nl-NL" sz="2560"/>
           </a:p>
         </p:txBody>
       </p:sp>
@@ -1551,7 +1648,7 @@
         <p:txBody>
           <a:bodyPr/>
           <a:lstStyle>
-            <a:lvl1pPr defTabSz="457200">
+            <a:lvl1pPr defTabSz="457167">
               <a:lnSpc>
                 <a:spcPct val="120000"/>
               </a:lnSpc>
@@ -1563,20 +1660,20 @@
               </a:lnSpc>
               <a:defRPr/>
             </a:lvl2pPr>
-            <a:lvl3pPr defTabSz="457200">
+            <a:lvl3pPr defTabSz="457167">
               <a:lnSpc>
                 <a:spcPct val="120000"/>
               </a:lnSpc>
               <a:defRPr/>
             </a:lvl3pPr>
-            <a:lvl4pPr marL="2328863" indent="-550863" defTabSz="1912938">
+            <a:lvl4pPr marL="2328688" indent="-550822" defTabSz="1912795">
               <a:lnSpc>
                 <a:spcPct val="120000"/>
               </a:lnSpc>
               <a:tabLst/>
               <a:defRPr/>
             </a:lvl4pPr>
-            <a:lvl5pPr marL="2962275" indent="-442913" defTabSz="457200">
+            <a:lvl5pPr marL="2962053" indent="-442881" defTabSz="457167">
               <a:lnSpc>
                 <a:spcPct val="120000"/>
               </a:lnSpc>
@@ -1836,13 +1933,13 @@
         <p:spPr>
           <a:xfrm>
             <a:off x="10104438" y="1371918"/>
-            <a:ext cx="6300000" cy="6498000"/>
+            <a:ext cx="6299999" cy="6498000"/>
           </a:xfrm>
         </p:spPr>
         <p:txBody>
           <a:bodyPr/>
           <a:lstStyle>
-            <a:lvl1pPr marL="85725" indent="0">
+            <a:lvl1pPr marL="85719" indent="0">
               <a:buNone/>
               <a:defRPr>
                 <a:solidFill>
@@ -1873,7 +1970,7 @@
         </p:nvSpPr>
         <p:spPr>
           <a:xfrm>
-            <a:off x="15590520" y="8948703"/>
+            <a:off x="15590520" y="8948711"/>
             <a:ext cx="921880" cy="519289"/>
           </a:xfrm>
           <a:prstGeom prst="rect">
@@ -1914,13 +2011,13 @@
         <p:spPr>
           <a:xfrm>
             <a:off x="835825" y="1194364"/>
-            <a:ext cx="8442000" cy="6696000"/>
+            <a:ext cx="8441999" cy="6696000"/>
           </a:xfrm>
         </p:spPr>
         <p:txBody>
           <a:bodyPr/>
           <a:lstStyle>
-            <a:lvl1pPr defTabSz="457200">
+            <a:lvl1pPr defTabSz="457167">
               <a:lnSpc>
                 <a:spcPct val="120000"/>
               </a:lnSpc>
@@ -1932,19 +2029,19 @@
               </a:lnSpc>
               <a:defRPr/>
             </a:lvl2pPr>
-            <a:lvl3pPr defTabSz="457200">
+            <a:lvl3pPr defTabSz="457167">
               <a:lnSpc>
                 <a:spcPct val="120000"/>
               </a:lnSpc>
               <a:defRPr/>
             </a:lvl3pPr>
-            <a:lvl4pPr defTabSz="457200">
+            <a:lvl4pPr defTabSz="457167">
               <a:lnSpc>
                 <a:spcPct val="120000"/>
               </a:lnSpc>
               <a:defRPr/>
             </a:lvl4pPr>
-            <a:lvl5pPr defTabSz="457200">
+            <a:lvl5pPr defTabSz="457167">
               <a:lnSpc>
                 <a:spcPct val="120000"/>
               </a:lnSpc>
@@ -2137,7 +2234,7 @@
         </p:nvSpPr>
         <p:spPr>
           <a:xfrm>
-            <a:off x="952038" y="1371600"/>
+            <a:off x="952040" y="1371600"/>
             <a:ext cx="15480000" cy="6501600"/>
           </a:xfrm>
         </p:spPr>
@@ -2282,7 +2379,7 @@
           <a:lstStyle/>
           <a:p>
             <a:pPr algn="ctr"/>
-            <a:endParaRPr lang="nl-NL" noProof="0" dirty="0"/>
+            <a:endParaRPr lang="nl-NL" sz="2560" noProof="0" dirty="0"/>
           </a:p>
         </p:txBody>
       </p:sp>
@@ -2305,7 +2402,7 @@
         <p:txBody>
           <a:bodyPr/>
           <a:lstStyle>
-            <a:lvl1pPr marL="85725" indent="0">
+            <a:lvl1pPr marL="85719" indent="0">
               <a:buNone/>
               <a:defRPr>
                 <a:solidFill>
@@ -2393,7 +2490,7 @@
           <a:lstStyle/>
           <a:p>
             <a:pPr algn="ctr"/>
-            <a:endParaRPr lang="nl-BE" noProof="0" dirty="0"/>
+            <a:endParaRPr lang="nl-BE" sz="2560" noProof="0" dirty="0"/>
           </a:p>
         </p:txBody>
       </p:sp>
@@ -2409,7 +2506,7 @@
         </p:nvSpPr>
         <p:spPr bwMode="white">
           <a:xfrm>
-            <a:off x="9215999" y="3095999"/>
+            <a:off x="9215999" y="3096007"/>
             <a:ext cx="7257600" cy="1717969"/>
           </a:xfrm>
         </p:spPr>
@@ -2459,7 +2556,7 @@
         </p:nvSpPr>
         <p:spPr bwMode="white">
           <a:xfrm>
-            <a:off x="1291074" y="1743240"/>
+            <a:off x="1291073" y="1743240"/>
             <a:ext cx="7419544" cy="5769600"/>
           </a:xfrm>
         </p:spPr>
@@ -2506,7 +2603,7 @@
         </p:nvSpPr>
         <p:spPr>
           <a:xfrm>
-            <a:off x="1371600" y="1828800"/>
+            <a:off x="1371602" y="1828800"/>
             <a:ext cx="15012000" cy="5999760"/>
           </a:xfrm>
           <a:prstGeom prst="rect">
@@ -2540,7 +2637,7 @@
           <a:lstStyle/>
           <a:p>
             <a:pPr algn="ctr"/>
-            <a:endParaRPr lang="en-GB"/>
+            <a:endParaRPr lang="en-GB" sz="2560"/>
           </a:p>
         </p:txBody>
       </p:sp>
@@ -2566,8 +2663,8 @@
         </p:blipFill>
         <p:spPr>
           <a:xfrm>
-            <a:off x="464400" y="0"/>
-            <a:ext cx="5572798" cy="1393200"/>
+            <a:off x="464399" y="0"/>
+            <a:ext cx="5572799" cy="1393200"/>
           </a:xfrm>
           <a:prstGeom prst="rect">
             <a:avLst/>
@@ -2624,8 +2721,8 @@
         </p:nvSpPr>
         <p:spPr>
           <a:xfrm>
-            <a:off x="830118" y="136025"/>
-            <a:ext cx="15705282" cy="863693"/>
+            <a:off x="830119" y="136033"/>
+            <a:ext cx="15705281" cy="863693"/>
           </a:xfrm>
           <a:prstGeom prst="rect">
             <a:avLst/>
@@ -2736,7 +2833,7 @@
         </p:nvSpPr>
         <p:spPr>
           <a:xfrm>
-            <a:off x="4072394" y="8948703"/>
+            <a:off x="4072394" y="8948711"/>
             <a:ext cx="2297926" cy="519289"/>
           </a:xfrm>
           <a:prstGeom prst="rect">
@@ -2777,8 +2874,8 @@
         </p:nvSpPr>
         <p:spPr>
           <a:xfrm>
-            <a:off x="6810236" y="8994423"/>
-            <a:ext cx="8353564" cy="437932"/>
+            <a:off x="6810241" y="8994423"/>
+            <a:ext cx="8353563" cy="437932"/>
           </a:xfrm>
           <a:prstGeom prst="rect">
             <a:avLst/>
@@ -2814,7 +2911,7 @@
         </p:nvSpPr>
         <p:spPr>
           <a:xfrm>
-            <a:off x="15590520" y="8948703"/>
+            <a:off x="15590520" y="8948711"/>
             <a:ext cx="921880" cy="519289"/>
           </a:xfrm>
           <a:prstGeom prst="rect">
@@ -2850,7 +2947,7 @@
         </p:nvSpPr>
         <p:spPr>
           <a:xfrm>
-            <a:off x="927265" y="367200"/>
+            <a:off x="927268" y="367200"/>
             <a:ext cx="15480000" cy="463640"/>
           </a:xfrm>
           <a:prstGeom prst="rect">
@@ -2884,7 +2981,7 @@
           <a:lstStyle/>
           <a:p>
             <a:pPr algn="ctr"/>
-            <a:endParaRPr lang="en-GB"/>
+            <a:endParaRPr lang="en-GB" sz="2560"/>
           </a:p>
         </p:txBody>
       </p:sp>
@@ -2896,7 +2993,7 @@
         </p:nvSpPr>
         <p:spPr>
           <a:xfrm>
-            <a:off x="927265" y="1584000"/>
+            <a:off x="927268" y="1584000"/>
             <a:ext cx="8229600" cy="6300000"/>
           </a:xfrm>
           <a:prstGeom prst="rect">
@@ -2930,7 +3027,7 @@
           <a:lstStyle/>
           <a:p>
             <a:pPr algn="ctr"/>
-            <a:endParaRPr lang="en-GB"/>
+            <a:endParaRPr lang="en-GB" sz="2560"/>
           </a:p>
         </p:txBody>
       </p:sp>
@@ -2942,7 +3039,7 @@
         </p:nvSpPr>
         <p:spPr>
           <a:xfrm flipV="1">
-            <a:off x="928800" y="7878842"/>
+            <a:off x="928805" y="7878850"/>
             <a:ext cx="15478465" cy="1416353"/>
           </a:xfrm>
           <a:prstGeom prst="rect">
@@ -2976,7 +3073,7 @@
           <a:lstStyle/>
           <a:p>
             <a:pPr algn="ctr"/>
-            <a:endParaRPr lang="en-GB"/>
+            <a:endParaRPr lang="en-GB" sz="2560"/>
           </a:p>
         </p:txBody>
       </p:sp>
@@ -3018,7 +3115,7 @@
         </p:nvSpPr>
         <p:spPr>
           <a:xfrm>
-            <a:off x="9172105" y="1584000"/>
+            <a:off x="9172106" y="1584000"/>
             <a:ext cx="914400" cy="6300000"/>
           </a:xfrm>
           <a:prstGeom prst="rect">
@@ -3052,7 +3149,7 @@
           <a:lstStyle/>
           <a:p>
             <a:pPr algn="ctr"/>
-            <a:endParaRPr lang="en-GB"/>
+            <a:endParaRPr lang="en-GB" sz="2560"/>
           </a:p>
         </p:txBody>
       </p:sp>
@@ -3098,7 +3195,7 @@
           <a:lstStyle/>
           <a:p>
             <a:pPr algn="ctr"/>
-            <a:endParaRPr lang="en-GB"/>
+            <a:endParaRPr lang="en-GB" sz="2560"/>
           </a:p>
         </p:txBody>
       </p:sp>
@@ -3123,7 +3220,7 @@
   <p:hf hdr="0" ftr="0" dt="0"/>
   <p:txStyles>
     <p:titleStyle>
-      <a:lvl1pPr algn="l" defTabSz="1300368" rtl="0" eaLnBrk="1" latinLnBrk="0" hangingPunct="1">
+      <a:lvl1pPr algn="l" defTabSz="1300270" rtl="0" eaLnBrk="1" latinLnBrk="0" hangingPunct="1">
         <a:lnSpc>
           <a:spcPct val="90000"/>
         </a:lnSpc>
@@ -3147,7 +3244,7 @@
       </a:lvl1pPr>
     </p:titleStyle>
     <p:bodyStyle>
-      <a:lvl1pPr marL="536575" indent="-450850" algn="l" defTabSz="1300368" rtl="0" eaLnBrk="1" latinLnBrk="0" hangingPunct="1">
+      <a:lvl1pPr marL="536535" indent="-450815" algn="l" defTabSz="1300270" rtl="0" eaLnBrk="1" latinLnBrk="0" hangingPunct="1">
         <a:lnSpc>
           <a:spcPct val="120000"/>
         </a:lnSpc>
@@ -3165,7 +3262,7 @@
           <a:cs typeface="+mn-cs"/>
         </a:defRPr>
       </a:lvl1pPr>
-      <a:lvl2pPr marL="1169988" indent="-450850" algn="l" defTabSz="457200" rtl="0" eaLnBrk="1" latinLnBrk="0" hangingPunct="1">
+      <a:lvl2pPr marL="1169900" indent="-450815" algn="l" defTabSz="457167" rtl="0" eaLnBrk="1" latinLnBrk="0" hangingPunct="1">
         <a:lnSpc>
           <a:spcPct val="120000"/>
         </a:lnSpc>
@@ -3184,7 +3281,7 @@
           <a:cs typeface="+mn-cs"/>
         </a:defRPr>
       </a:lvl2pPr>
-      <a:lvl3pPr marL="1755775" indent="-450000" algn="l" defTabSz="1300368" rtl="0" eaLnBrk="1" latinLnBrk="0" hangingPunct="1">
+      <a:lvl3pPr marL="1755643" indent="-449967" algn="l" defTabSz="1300270" rtl="0" eaLnBrk="1" latinLnBrk="0" hangingPunct="1">
         <a:lnSpc>
           <a:spcPct val="120000"/>
         </a:lnSpc>
@@ -3202,7 +3299,7 @@
           <a:cs typeface="+mn-cs"/>
         </a:defRPr>
       </a:lvl3pPr>
-      <a:lvl4pPr marL="1441450" indent="-550863" algn="l" defTabSz="1300368" rtl="0" eaLnBrk="1" latinLnBrk="0" hangingPunct="1">
+      <a:lvl4pPr marL="1441343" indent="-550822" algn="l" defTabSz="1300270" rtl="0" eaLnBrk="1" latinLnBrk="0" hangingPunct="1">
         <a:lnSpc>
           <a:spcPct val="120000"/>
         </a:lnSpc>
@@ -3220,7 +3317,7 @@
           <a:cs typeface="+mn-cs"/>
         </a:defRPr>
       </a:lvl4pPr>
-      <a:lvl5pPr marL="2600325" indent="-1158875" algn="l" defTabSz="1300368" rtl="0" eaLnBrk="1" latinLnBrk="0" hangingPunct="1">
+      <a:lvl5pPr marL="2600130" indent="-1158790" algn="l" defTabSz="1300270" rtl="0" eaLnBrk="1" latinLnBrk="0" hangingPunct="1">
         <a:lnSpc>
           <a:spcPct val="120000"/>
         </a:lnSpc>
@@ -3238,7 +3335,7 @@
           <a:cs typeface="+mn-cs"/>
         </a:defRPr>
       </a:lvl5pPr>
-      <a:lvl6pPr marL="3576013" indent="-325092" algn="l" defTabSz="1300368" rtl="0" eaLnBrk="1" latinLnBrk="0" hangingPunct="1">
+      <a:lvl6pPr marL="3575745" indent="-325068" algn="l" defTabSz="1300270" rtl="0" eaLnBrk="1" latinLnBrk="0" hangingPunct="1">
         <a:lnSpc>
           <a:spcPct val="90000"/>
         </a:lnSpc>
@@ -3256,7 +3353,7 @@
           <a:cs typeface="+mn-cs"/>
         </a:defRPr>
       </a:lvl6pPr>
-      <a:lvl7pPr marL="4226197" indent="-325092" algn="l" defTabSz="1300368" rtl="0" eaLnBrk="1" latinLnBrk="0" hangingPunct="1">
+      <a:lvl7pPr marL="4225881" indent="-325068" algn="l" defTabSz="1300270" rtl="0" eaLnBrk="1" latinLnBrk="0" hangingPunct="1">
         <a:lnSpc>
           <a:spcPct val="90000"/>
         </a:lnSpc>
@@ -3274,7 +3371,7 @@
           <a:cs typeface="+mn-cs"/>
         </a:defRPr>
       </a:lvl7pPr>
-      <a:lvl8pPr marL="4876381" indent="-325092" algn="l" defTabSz="1300368" rtl="0" eaLnBrk="1" latinLnBrk="0" hangingPunct="1">
+      <a:lvl8pPr marL="4876015" indent="-325068" algn="l" defTabSz="1300270" rtl="0" eaLnBrk="1" latinLnBrk="0" hangingPunct="1">
         <a:lnSpc>
           <a:spcPct val="90000"/>
         </a:lnSpc>
@@ -3292,7 +3389,7 @@
           <a:cs typeface="+mn-cs"/>
         </a:defRPr>
       </a:lvl8pPr>
-      <a:lvl9pPr marL="5526565" indent="-325092" algn="l" defTabSz="1300368" rtl="0" eaLnBrk="1" latinLnBrk="0" hangingPunct="1">
+      <a:lvl9pPr marL="5526151" indent="-325068" algn="l" defTabSz="1300270" rtl="0" eaLnBrk="1" latinLnBrk="0" hangingPunct="1">
         <a:lnSpc>
           <a:spcPct val="90000"/>
         </a:lnSpc>
@@ -3315,7 +3412,7 @@
       <a:defPPr>
         <a:defRPr lang="en-US"/>
       </a:defPPr>
-      <a:lvl1pPr marL="0" algn="l" defTabSz="1300368" rtl="0" eaLnBrk="1" latinLnBrk="0" hangingPunct="1">
+      <a:lvl1pPr marL="0" algn="l" defTabSz="1300270" rtl="0" eaLnBrk="1" latinLnBrk="0" hangingPunct="1">
         <a:defRPr sz="2560" kern="1200">
           <a:solidFill>
             <a:schemeClr val="tx1"/>
@@ -3325,7 +3422,7 @@
           <a:cs typeface="+mn-cs"/>
         </a:defRPr>
       </a:lvl1pPr>
-      <a:lvl2pPr marL="650184" algn="l" defTabSz="1300368" rtl="0" eaLnBrk="1" latinLnBrk="0" hangingPunct="1">
+      <a:lvl2pPr marL="650136" algn="l" defTabSz="1300270" rtl="0" eaLnBrk="1" latinLnBrk="0" hangingPunct="1">
         <a:defRPr sz="2560" kern="1200">
           <a:solidFill>
             <a:schemeClr val="tx1"/>
@@ -3335,7 +3432,7 @@
           <a:cs typeface="+mn-cs"/>
         </a:defRPr>
       </a:lvl2pPr>
-      <a:lvl3pPr marL="1300368" algn="l" defTabSz="1300368" rtl="0" eaLnBrk="1" latinLnBrk="0" hangingPunct="1">
+      <a:lvl3pPr marL="1300270" algn="l" defTabSz="1300270" rtl="0" eaLnBrk="1" latinLnBrk="0" hangingPunct="1">
         <a:defRPr sz="2560" kern="1200">
           <a:solidFill>
             <a:schemeClr val="tx1"/>
@@ -3345,7 +3442,7 @@
           <a:cs typeface="+mn-cs"/>
         </a:defRPr>
       </a:lvl3pPr>
-      <a:lvl4pPr marL="1950552" algn="l" defTabSz="1300368" rtl="0" eaLnBrk="1" latinLnBrk="0" hangingPunct="1">
+      <a:lvl4pPr marL="1950406" algn="l" defTabSz="1300270" rtl="0" eaLnBrk="1" latinLnBrk="0" hangingPunct="1">
         <a:defRPr sz="2560" kern="1200">
           <a:solidFill>
             <a:schemeClr val="tx1"/>
@@ -3355,7 +3452,7 @@
           <a:cs typeface="+mn-cs"/>
         </a:defRPr>
       </a:lvl4pPr>
-      <a:lvl5pPr marL="2600736" algn="l" defTabSz="1300368" rtl="0" eaLnBrk="1" latinLnBrk="0" hangingPunct="1">
+      <a:lvl5pPr marL="2600542" algn="l" defTabSz="1300270" rtl="0" eaLnBrk="1" latinLnBrk="0" hangingPunct="1">
         <a:defRPr sz="2560" kern="1200">
           <a:solidFill>
             <a:schemeClr val="tx1"/>
@@ -3365,7 +3462,7 @@
           <a:cs typeface="+mn-cs"/>
         </a:defRPr>
       </a:lvl5pPr>
-      <a:lvl6pPr marL="3250921" algn="l" defTabSz="1300368" rtl="0" eaLnBrk="1" latinLnBrk="0" hangingPunct="1">
+      <a:lvl6pPr marL="3250677" algn="l" defTabSz="1300270" rtl="0" eaLnBrk="1" latinLnBrk="0" hangingPunct="1">
         <a:defRPr sz="2560" kern="1200">
           <a:solidFill>
             <a:schemeClr val="tx1"/>
@@ -3375,7 +3472,7 @@
           <a:cs typeface="+mn-cs"/>
         </a:defRPr>
       </a:lvl6pPr>
-      <a:lvl7pPr marL="3901105" algn="l" defTabSz="1300368" rtl="0" eaLnBrk="1" latinLnBrk="0" hangingPunct="1">
+      <a:lvl7pPr marL="3900813" algn="l" defTabSz="1300270" rtl="0" eaLnBrk="1" latinLnBrk="0" hangingPunct="1">
         <a:defRPr sz="2560" kern="1200">
           <a:solidFill>
             <a:schemeClr val="tx1"/>
@@ -3385,7 +3482,7 @@
           <a:cs typeface="+mn-cs"/>
         </a:defRPr>
       </a:lvl7pPr>
-      <a:lvl8pPr marL="4551289" algn="l" defTabSz="1300368" rtl="0" eaLnBrk="1" latinLnBrk="0" hangingPunct="1">
+      <a:lvl8pPr marL="4550949" algn="l" defTabSz="1300270" rtl="0" eaLnBrk="1" latinLnBrk="0" hangingPunct="1">
         <a:defRPr sz="2560" kern="1200">
           <a:solidFill>
             <a:schemeClr val="tx1"/>
@@ -3395,7 +3492,7 @@
           <a:cs typeface="+mn-cs"/>
         </a:defRPr>
       </a:lvl8pPr>
-      <a:lvl9pPr marL="5201473" algn="l" defTabSz="1300368" rtl="0" eaLnBrk="1" latinLnBrk="0" hangingPunct="1">
+      <a:lvl9pPr marL="5201083" algn="l" defTabSz="1300270" rtl="0" eaLnBrk="1" latinLnBrk="0" hangingPunct="1">
         <a:defRPr sz="2560" kern="1200">
           <a:solidFill>
             <a:schemeClr val="tx1"/>
@@ -3470,7 +3567,7 @@
           <a:p>
             <a:r>
               <a:rPr lang="nl-NL" dirty="0"/>
-              <a:t>Team: 1 / SPRINT 2</a:t>
+              <a:t>Team – drone1 / sprint2</a:t>
             </a:r>
           </a:p>
         </p:txBody>
@@ -3479,6 +3576,537 @@
     <p:extLst>
       <p:ext uri="{BB962C8B-B14F-4D97-AF65-F5344CB8AC3E}">
         <p14:creationId xmlns:p14="http://schemas.microsoft.com/office/powerpoint/2010/main" val="3355618083"/>
+      </p:ext>
+    </p:extLst>
+  </p:cSld>
+  <p:clrMapOvr>
+    <a:masterClrMapping/>
+  </p:clrMapOvr>
+</p:sld>
+</file>
+
+<file path=ppt/slides/slide10.xml><?xml version="1.0" encoding="utf-8"?>
+<p:sld xmlns:a="http://schemas.openxmlformats.org/drawingml/2006/main" xmlns:r="http://schemas.openxmlformats.org/officeDocument/2006/relationships" xmlns:p="http://schemas.openxmlformats.org/presentationml/2006/main">
+  <p:cSld>
+    <p:spTree>
+      <p:nvGrpSpPr>
+        <p:cNvPr id="1" name=""/>
+        <p:cNvGrpSpPr/>
+        <p:nvPr/>
+      </p:nvGrpSpPr>
+      <p:grpSpPr>
+        <a:xfrm>
+          <a:off x="0" y="0"/>
+          <a:ext cx="0" cy="0"/>
+          <a:chOff x="0" y="0"/>
+          <a:chExt cx="0" cy="0"/>
+        </a:xfrm>
+      </p:grpSpPr>
+      <p:sp>
+        <p:nvSpPr>
+          <p:cNvPr id="2" name="Titel 1"/>
+          <p:cNvSpPr>
+            <a:spLocks noGrp="1"/>
+          </p:cNvSpPr>
+          <p:nvPr>
+            <p:ph type="title"/>
+          </p:nvPr>
+        </p:nvSpPr>
+        <p:spPr>
+          <a:xfrm>
+            <a:off x="830120" y="136030"/>
+            <a:ext cx="15705281" cy="863693"/>
+          </a:xfrm>
+        </p:spPr>
+        <p:txBody>
+          <a:bodyPr/>
+          <a:lstStyle/>
+          <a:p>
+            <a:r>
+              <a:rPr lang="nl-NL" dirty="0"/>
+              <a:t>Node-RED</a:t>
+            </a:r>
+          </a:p>
+        </p:txBody>
+      </p:sp>
+      <p:sp>
+        <p:nvSpPr>
+          <p:cNvPr id="3" name="Tijdelijke aanduiding voor inhoud 2"/>
+          <p:cNvSpPr>
+            <a:spLocks noGrp="1"/>
+          </p:cNvSpPr>
+          <p:nvPr>
+            <p:ph idx="1"/>
+          </p:nvPr>
+        </p:nvSpPr>
+        <p:spPr>
+          <a:xfrm>
+            <a:off x="835826" y="1277263"/>
+            <a:ext cx="15676574" cy="3846287"/>
+          </a:xfrm>
+        </p:spPr>
+        <p:txBody>
+          <a:bodyPr>
+            <a:normAutofit/>
+          </a:bodyPr>
+          <a:lstStyle/>
+          <a:p>
+            <a:r>
+              <a:rPr lang="nl-NL" dirty="0"/>
+              <a:t>Flow-gebaseerd visueel programmeren voor </a:t>
+            </a:r>
+            <a:r>
+              <a:rPr lang="nl-NL" dirty="0" err="1"/>
+              <a:t>IoT</a:t>
+            </a:r>
+            <a:r>
+              <a:rPr lang="nl-NL" dirty="0"/>
+              <a:t> </a:t>
+            </a:r>
+          </a:p>
+          <a:p>
+            <a:r>
+              <a:rPr lang="nl-NL" dirty="0"/>
+              <a:t>Werkt in de browser, gebouwd op Node.js</a:t>
+            </a:r>
+          </a:p>
+          <a:p>
+            <a:r>
+              <a:rPr lang="nl-NL" dirty="0"/>
+              <a:t>Ondersteuning MQTT, HTTP, </a:t>
+            </a:r>
+            <a:r>
+              <a:rPr lang="nl-NL" dirty="0" err="1"/>
+              <a:t>WebSocket</a:t>
+            </a:r>
+            <a:r>
+              <a:rPr lang="nl-NL" dirty="0"/>
+              <a:t> eindpunten</a:t>
+            </a:r>
+          </a:p>
+          <a:p>
+            <a:endParaRPr lang="nl-NL" dirty="0"/>
+          </a:p>
+          <a:p>
+            <a:endParaRPr lang="nl-NL" dirty="0"/>
+          </a:p>
+          <a:p>
+            <a:endParaRPr lang="nl-NL" dirty="0"/>
+          </a:p>
+          <a:p>
+            <a:endParaRPr lang="nl-NL" dirty="0"/>
+          </a:p>
+        </p:txBody>
+      </p:sp>
+      <p:sp>
+        <p:nvSpPr>
+          <p:cNvPr id="4" name="Tijdelijke aanduiding voor dianummer 3"/>
+          <p:cNvSpPr>
+            <a:spLocks noGrp="1"/>
+          </p:cNvSpPr>
+          <p:nvPr>
+            <p:ph type="sldNum" sz="quarter" idx="12"/>
+          </p:nvPr>
+        </p:nvSpPr>
+        <p:spPr/>
+        <p:txBody>
+          <a:bodyPr/>
+          <a:lstStyle/>
+          <a:p>
+            <a:fld id="{7AE184E0-0BD4-4705-A12B-9B71DDE63301}" type="slidenum">
+              <a:rPr lang="nl-BE" noProof="0" smtClean="0"/>
+              <a:t>10</a:t>
+            </a:fld>
+            <a:endParaRPr lang="nl-BE" noProof="0" dirty="0"/>
+          </a:p>
+        </p:txBody>
+      </p:sp>
+      <p:pic>
+        <p:nvPicPr>
+          <p:cNvPr id="5" name="Afbeelding 4">
+            <a:extLst>
+              <a:ext uri="{FF2B5EF4-FFF2-40B4-BE49-F238E27FC236}">
+                <a16:creationId xmlns:a16="http://schemas.microsoft.com/office/drawing/2014/main" id="{EB2BFA83-A741-4BBF-A8FF-164A77DDA911}"/>
+              </a:ext>
+            </a:extLst>
+          </p:cNvPr>
+          <p:cNvPicPr>
+            <a:picLocks noChangeAspect="1"/>
+          </p:cNvPicPr>
+          <p:nvPr/>
+        </p:nvPicPr>
+        <p:blipFill rotWithShape="1">
+          <a:blip r:embed="rId2"/>
+          <a:srcRect t="-144" b="56066"/>
+          <a:stretch/>
+        </p:blipFill>
+        <p:spPr>
+          <a:xfrm>
+            <a:off x="6400799" y="5907318"/>
+            <a:ext cx="10967320" cy="3846287"/>
+          </a:xfrm>
+          <a:prstGeom prst="rect">
+            <a:avLst/>
+          </a:prstGeom>
+        </p:spPr>
+      </p:pic>
+      <p:pic>
+        <p:nvPicPr>
+          <p:cNvPr id="2050" name="Picture 2" descr="Afbeeldingsresultaat voor node red">
+            <a:extLst>
+              <a:ext uri="{FF2B5EF4-FFF2-40B4-BE49-F238E27FC236}">
+                <a16:creationId xmlns:a16="http://schemas.microsoft.com/office/drawing/2014/main" id="{6B22F2F1-B9CC-4E3D-89D7-32292CF9065C}"/>
+              </a:ext>
+            </a:extLst>
+          </p:cNvPr>
+          <p:cNvPicPr>
+            <a:picLocks noChangeAspect="1" noChangeArrowheads="1"/>
+          </p:cNvPicPr>
+          <p:nvPr/>
+        </p:nvPicPr>
+        <p:blipFill>
+          <a:blip r:embed="rId3">
+            <a:extLst>
+              <a:ext uri="{28A0092B-C50C-407E-A947-70E740481C1C}">
+                <a14:useLocalDpi xmlns:a14="http://schemas.microsoft.com/office/drawing/2010/main" val="0"/>
+              </a:ext>
+            </a:extLst>
+          </a:blip>
+          <a:srcRect/>
+          <a:stretch>
+            <a:fillRect/>
+          </a:stretch>
+        </p:blipFill>
+        <p:spPr bwMode="auto">
+          <a:xfrm>
+            <a:off x="946234" y="4641208"/>
+            <a:ext cx="4569197" cy="2532213"/>
+          </a:xfrm>
+          <a:prstGeom prst="rect">
+            <a:avLst/>
+          </a:prstGeom>
+          <a:noFill/>
+          <a:effectLst/>
+          <a:extLst>
+            <a:ext uri="{909E8E84-426E-40DD-AFC4-6F175D3DCCD1}">
+              <a14:hiddenFill xmlns:a14="http://schemas.microsoft.com/office/drawing/2010/main">
+                <a:solidFill>
+                  <a:srgbClr val="FFFFFF"/>
+                </a:solidFill>
+              </a14:hiddenFill>
+            </a:ext>
+          </a:extLst>
+        </p:spPr>
+      </p:pic>
+    </p:spTree>
+    <p:extLst>
+      <p:ext uri="{BB962C8B-B14F-4D97-AF65-F5344CB8AC3E}">
+        <p14:creationId xmlns:p14="http://schemas.microsoft.com/office/powerpoint/2010/main" val="3618805914"/>
+      </p:ext>
+    </p:extLst>
+  </p:cSld>
+  <p:clrMapOvr>
+    <a:masterClrMapping/>
+  </p:clrMapOvr>
+</p:sld>
+</file>
+
+<file path=ppt/slides/slide11.xml><?xml version="1.0" encoding="utf-8"?>
+<p:sld xmlns:a="http://schemas.openxmlformats.org/drawingml/2006/main" xmlns:r="http://schemas.openxmlformats.org/officeDocument/2006/relationships" xmlns:p="http://schemas.openxmlformats.org/presentationml/2006/main">
+  <p:cSld>
+    <p:spTree>
+      <p:nvGrpSpPr>
+        <p:cNvPr id="1" name=""/>
+        <p:cNvGrpSpPr/>
+        <p:nvPr/>
+      </p:nvGrpSpPr>
+      <p:grpSpPr>
+        <a:xfrm>
+          <a:off x="0" y="0"/>
+          <a:ext cx="0" cy="0"/>
+          <a:chOff x="0" y="0"/>
+          <a:chExt cx="0" cy="0"/>
+        </a:xfrm>
+      </p:grpSpPr>
+      <p:sp>
+        <p:nvSpPr>
+          <p:cNvPr id="2" name="Titel 1"/>
+          <p:cNvSpPr>
+            <a:spLocks noGrp="1"/>
+          </p:cNvSpPr>
+          <p:nvPr>
+            <p:ph type="title"/>
+          </p:nvPr>
+        </p:nvSpPr>
+        <p:spPr>
+          <a:xfrm>
+            <a:off x="830120" y="136030"/>
+            <a:ext cx="15705281" cy="863693"/>
+          </a:xfrm>
+        </p:spPr>
+        <p:txBody>
+          <a:bodyPr/>
+          <a:lstStyle/>
+          <a:p>
+            <a:r>
+              <a:rPr lang="nl-NL" dirty="0"/>
+              <a:t>UI: Responsieve webapplicatie</a:t>
+            </a:r>
+          </a:p>
+        </p:txBody>
+      </p:sp>
+      <p:sp>
+        <p:nvSpPr>
+          <p:cNvPr id="4" name="Tijdelijke aanduiding voor dianummer 3"/>
+          <p:cNvSpPr>
+            <a:spLocks noGrp="1"/>
+          </p:cNvSpPr>
+          <p:nvPr>
+            <p:ph type="sldNum" sz="quarter" idx="12"/>
+          </p:nvPr>
+        </p:nvSpPr>
+        <p:spPr/>
+        <p:txBody>
+          <a:bodyPr/>
+          <a:lstStyle/>
+          <a:p>
+            <a:fld id="{7AE184E0-0BD4-4705-A12B-9B71DDE63301}" type="slidenum">
+              <a:rPr lang="nl-BE" noProof="0" smtClean="0"/>
+              <a:t>11</a:t>
+            </a:fld>
+            <a:endParaRPr lang="nl-BE" noProof="0" dirty="0"/>
+          </a:p>
+        </p:txBody>
+      </p:sp>
+      <p:pic>
+        <p:nvPicPr>
+          <p:cNvPr id="13" name="Afbeelding 12">
+            <a:extLst>
+              <a:ext uri="{FF2B5EF4-FFF2-40B4-BE49-F238E27FC236}">
+                <a16:creationId xmlns:a16="http://schemas.microsoft.com/office/drawing/2014/main" id="{686C438A-B73E-4768-A795-647C0EC7D268}"/>
+              </a:ext>
+            </a:extLst>
+          </p:cNvPr>
+          <p:cNvPicPr>
+            <a:picLocks noChangeAspect="1"/>
+          </p:cNvPicPr>
+          <p:nvPr/>
+        </p:nvPicPr>
+        <p:blipFill>
+          <a:blip r:embed="rId2" cstate="print">
+            <a:extLst>
+              <a:ext uri="{28A0092B-C50C-407E-A947-70E740481C1C}">
+                <a14:useLocalDpi xmlns:a14="http://schemas.microsoft.com/office/drawing/2010/main" val="0"/>
+              </a:ext>
+            </a:extLst>
+          </a:blip>
+          <a:stretch>
+            <a:fillRect/>
+          </a:stretch>
+        </p:blipFill>
+        <p:spPr>
+          <a:xfrm>
+            <a:off x="7059533" y="1430741"/>
+            <a:ext cx="5826336" cy="7772242"/>
+          </a:xfrm>
+          <a:prstGeom prst="rect">
+            <a:avLst/>
+          </a:prstGeom>
+        </p:spPr>
+      </p:pic>
+      <p:pic>
+        <p:nvPicPr>
+          <p:cNvPr id="15" name="Afbeelding 14">
+            <a:extLst>
+              <a:ext uri="{FF2B5EF4-FFF2-40B4-BE49-F238E27FC236}">
+                <a16:creationId xmlns:a16="http://schemas.microsoft.com/office/drawing/2014/main" id="{FCFD0DBA-93D3-4313-9427-93351BCF5E8F}"/>
+              </a:ext>
+            </a:extLst>
+          </p:cNvPr>
+          <p:cNvPicPr>
+            <a:picLocks noChangeAspect="1"/>
+          </p:cNvPicPr>
+          <p:nvPr/>
+        </p:nvPicPr>
+        <p:blipFill>
+          <a:blip r:embed="rId3" cstate="print">
+            <a:extLst>
+              <a:ext uri="{28A0092B-C50C-407E-A947-70E740481C1C}">
+                <a14:useLocalDpi xmlns:a14="http://schemas.microsoft.com/office/drawing/2010/main" val="0"/>
+              </a:ext>
+            </a:extLst>
+          </a:blip>
+          <a:stretch>
+            <a:fillRect/>
+          </a:stretch>
+        </p:blipFill>
+        <p:spPr>
+          <a:xfrm>
+            <a:off x="12885872" y="3575267"/>
+            <a:ext cx="3165591" cy="5627716"/>
+          </a:xfrm>
+          <a:prstGeom prst="rect">
+            <a:avLst/>
+          </a:prstGeom>
+        </p:spPr>
+      </p:pic>
+      <p:pic>
+        <p:nvPicPr>
+          <p:cNvPr id="16" name="Afbeelding 15">
+            <a:extLst>
+              <a:ext uri="{FF2B5EF4-FFF2-40B4-BE49-F238E27FC236}">
+                <a16:creationId xmlns:a16="http://schemas.microsoft.com/office/drawing/2014/main" id="{50CC736B-AD8D-4A3F-9E48-CCDCE1CE8C07}"/>
+              </a:ext>
+            </a:extLst>
+          </p:cNvPr>
+          <p:cNvPicPr>
+            <a:picLocks noChangeAspect="1"/>
+          </p:cNvPicPr>
+          <p:nvPr/>
+        </p:nvPicPr>
+        <p:blipFill rotWithShape="1">
+          <a:blip r:embed="rId4"/>
+          <a:srcRect b="16693"/>
+          <a:stretch/>
+        </p:blipFill>
+        <p:spPr>
+          <a:xfrm>
+            <a:off x="431433" y="2560323"/>
+            <a:ext cx="6518333" cy="4319847"/>
+          </a:xfrm>
+          <a:prstGeom prst="rect">
+            <a:avLst/>
+          </a:prstGeom>
+          <a:effectLst>
+            <a:outerShdw blurRad="50800" dist="38100" dir="5400000" algn="t" rotWithShape="0">
+              <a:prstClr val="black">
+                <a:alpha val="40000"/>
+              </a:prstClr>
+            </a:outerShdw>
+          </a:effectLst>
+        </p:spPr>
+      </p:pic>
+    </p:spTree>
+    <p:extLst>
+      <p:ext uri="{BB962C8B-B14F-4D97-AF65-F5344CB8AC3E}">
+        <p14:creationId xmlns:p14="http://schemas.microsoft.com/office/powerpoint/2010/main" val="1859597598"/>
+      </p:ext>
+    </p:extLst>
+  </p:cSld>
+  <p:clrMapOvr>
+    <a:masterClrMapping/>
+  </p:clrMapOvr>
+</p:sld>
+</file>
+
+<file path=ppt/slides/slide12.xml><?xml version="1.0" encoding="utf-8"?>
+<p:sld xmlns:a="http://schemas.openxmlformats.org/drawingml/2006/main" xmlns:r="http://schemas.openxmlformats.org/officeDocument/2006/relationships" xmlns:p="http://schemas.openxmlformats.org/presentationml/2006/main">
+  <p:cSld>
+    <p:spTree>
+      <p:nvGrpSpPr>
+        <p:cNvPr id="1" name=""/>
+        <p:cNvGrpSpPr/>
+        <p:nvPr/>
+      </p:nvGrpSpPr>
+      <p:grpSpPr>
+        <a:xfrm>
+          <a:off x="0" y="0"/>
+          <a:ext cx="0" cy="0"/>
+          <a:chOff x="0" y="0"/>
+          <a:chExt cx="0" cy="0"/>
+        </a:xfrm>
+      </p:grpSpPr>
+      <p:sp>
+        <p:nvSpPr>
+          <p:cNvPr id="2" name="Titel 1"/>
+          <p:cNvSpPr>
+            <a:spLocks noGrp="1"/>
+          </p:cNvSpPr>
+          <p:nvPr>
+            <p:ph type="title"/>
+          </p:nvPr>
+        </p:nvSpPr>
+        <p:spPr>
+          <a:xfrm>
+            <a:off x="830120" y="136030"/>
+            <a:ext cx="15705281" cy="863693"/>
+          </a:xfrm>
+        </p:spPr>
+        <p:txBody>
+          <a:bodyPr/>
+          <a:lstStyle/>
+          <a:p>
+            <a:r>
+              <a:rPr lang="nl-NL" dirty="0"/>
+              <a:t>demonstratie</a:t>
+            </a:r>
+          </a:p>
+        </p:txBody>
+      </p:sp>
+      <p:sp>
+        <p:nvSpPr>
+          <p:cNvPr id="4" name="Tijdelijke aanduiding voor dianummer 3"/>
+          <p:cNvSpPr>
+            <a:spLocks noGrp="1"/>
+          </p:cNvSpPr>
+          <p:nvPr>
+            <p:ph type="sldNum" sz="quarter" idx="12"/>
+          </p:nvPr>
+        </p:nvSpPr>
+        <p:spPr/>
+        <p:txBody>
+          <a:bodyPr/>
+          <a:lstStyle/>
+          <a:p>
+            <a:fld id="{7AE184E0-0BD4-4705-A12B-9B71DDE63301}" type="slidenum">
+              <a:rPr lang="nl-BE" noProof="0" smtClean="0"/>
+              <a:t>12</a:t>
+            </a:fld>
+            <a:endParaRPr lang="nl-BE" noProof="0" dirty="0"/>
+          </a:p>
+        </p:txBody>
+      </p:sp>
+      <p:sp>
+        <p:nvSpPr>
+          <p:cNvPr id="3" name="Rechthoek 2">
+            <a:extLst>
+              <a:ext uri="{FF2B5EF4-FFF2-40B4-BE49-F238E27FC236}">
+                <a16:creationId xmlns:a16="http://schemas.microsoft.com/office/drawing/2014/main" id="{85D9ED3E-679B-46A6-BF99-738A02E212E3}"/>
+              </a:ext>
+            </a:extLst>
+          </p:cNvPr>
+          <p:cNvSpPr/>
+          <p:nvPr/>
+        </p:nvSpPr>
+        <p:spPr>
+          <a:xfrm>
+            <a:off x="6385333" y="4633661"/>
+            <a:ext cx="4368504" cy="486287"/>
+          </a:xfrm>
+          <a:prstGeom prst="rect">
+            <a:avLst/>
+          </a:prstGeom>
+        </p:spPr>
+        <p:txBody>
+          <a:bodyPr wrap="none">
+            <a:spAutoFit/>
+          </a:bodyPr>
+          <a:lstStyle/>
+          <a:p>
+            <a:r>
+              <a:rPr lang="nl-BE" dirty="0">
+                <a:hlinkClick r:id="rId2"/>
+              </a:rPr>
+              <a:t>http://bpvop4.ugent.be:8081/</a:t>
+            </a:r>
+            <a:endParaRPr lang="nl-BE" dirty="0"/>
+          </a:p>
+        </p:txBody>
+      </p:sp>
+    </p:spTree>
+    <p:extLst>
+      <p:ext uri="{BB962C8B-B14F-4D97-AF65-F5344CB8AC3E}">
+        <p14:creationId xmlns:p14="http://schemas.microsoft.com/office/powerpoint/2010/main" val="3807424503"/>
       </p:ext>
     </p:extLst>
   </p:cSld>
@@ -3631,22 +4259,27 @@
             <p:ph idx="1"/>
           </p:nvPr>
         </p:nvSpPr>
-        <p:spPr/>
+        <p:spPr>
+          <a:xfrm>
+            <a:off x="835827" y="1194368"/>
+            <a:ext cx="15699575" cy="6696001"/>
+          </a:xfrm>
+        </p:spPr>
         <p:txBody>
           <a:bodyPr>
-            <a:normAutofit/>
+            <a:normAutofit lnSpcReduction="10000"/>
           </a:bodyPr>
           <a:lstStyle/>
           <a:p>
             <a:r>
               <a:rPr lang="nl-NL" dirty="0"/>
-              <a:t>UI converteren naar realistische 2D visualisatie</a:t>
-            </a:r>
-          </a:p>
-          <a:p>
-            <a:r>
-              <a:rPr lang="nl-NL" dirty="0"/>
-              <a:t>Vliegpaden valideren met obstakels</a:t>
+              <a:t>UI converteren naar realistische 2D visualisatie </a:t>
+            </a:r>
+          </a:p>
+          <a:p>
+            <a:r>
+              <a:rPr lang="nl-NL" dirty="0"/>
+              <a:t>Vliegpaden valideren</a:t>
             </a:r>
           </a:p>
           <a:p>
@@ -3681,6 +4314,12 @@
             <a:r>
               <a:rPr lang="nl-NL" dirty="0"/>
               <a:t>Keuze tussen verschillende datastreams drone</a:t>
+            </a:r>
+          </a:p>
+          <a:p>
+            <a:r>
+              <a:rPr lang="nl-NL" dirty="0"/>
+              <a:t>Native mobiele applicatie</a:t>
             </a:r>
           </a:p>
           <a:p>
@@ -3805,6 +4444,27 @@
             </a:r>
           </a:p>
           <a:p>
+            <a:pPr lvl="1"/>
+            <a:r>
+              <a:rPr lang="nl-NL" dirty="0"/>
+              <a:t>Aangepaste plattegrond afbeelding</a:t>
+            </a:r>
+          </a:p>
+          <a:p>
+            <a:pPr lvl="1"/>
+            <a:r>
+              <a:rPr lang="nl-NL" dirty="0"/>
+              <a:t>Instelbare schaal</a:t>
+            </a:r>
+          </a:p>
+          <a:p>
+            <a:pPr lvl="1"/>
+            <a:r>
+              <a:rPr lang="nl-NL" dirty="0"/>
+              <a:t>Ankerpunten</a:t>
+            </a:r>
+          </a:p>
+          <a:p>
             <a:endParaRPr lang="nl-NL" dirty="0"/>
           </a:p>
           <a:p>
@@ -3880,8 +4540,8 @@
         </p:nvSpPr>
         <p:spPr>
           <a:xfrm>
-            <a:off x="830118" y="136025"/>
-            <a:ext cx="15705282" cy="863693"/>
+            <a:off x="830120" y="136030"/>
+            <a:ext cx="15705281" cy="863693"/>
           </a:xfrm>
         </p:spPr>
         <p:txBody>
@@ -3890,41 +4550,8 @@
           <a:p>
             <a:r>
               <a:rPr lang="nl-NL" dirty="0"/>
-              <a:t>Overzicht architectuur</a:t>
-            </a:r>
-          </a:p>
-        </p:txBody>
-      </p:sp>
-      <p:sp>
-        <p:nvSpPr>
-          <p:cNvPr id="3" name="Tijdelijke aanduiding voor inhoud 2"/>
-          <p:cNvSpPr>
-            <a:spLocks noGrp="1"/>
-          </p:cNvSpPr>
-          <p:nvPr>
-            <p:ph idx="1"/>
-          </p:nvPr>
-        </p:nvSpPr>
-        <p:spPr/>
-        <p:txBody>
-          <a:bodyPr>
-            <a:normAutofit/>
-          </a:bodyPr>
-          <a:lstStyle/>
-          <a:p>
-            <a:r>
-              <a:rPr lang="nl-NL" dirty="0"/>
-              <a:t>Container diagram</a:t>
-            </a:r>
-          </a:p>
-          <a:p>
-            <a:endParaRPr lang="nl-NL" dirty="0"/>
-          </a:p>
-          <a:p>
-            <a:endParaRPr lang="nl-NL" dirty="0"/>
-          </a:p>
-          <a:p>
-            <a:endParaRPr lang="nl-NL" dirty="0"/>
+              <a:t>Overzicht technologie stack</a:t>
+            </a:r>
           </a:p>
         </p:txBody>
       </p:sp>
@@ -3951,6 +4578,168 @@
           </a:p>
         </p:txBody>
       </p:sp>
+      <p:grpSp>
+        <p:nvGrpSpPr>
+          <p:cNvPr id="10" name="Groep 9">
+            <a:extLst>
+              <a:ext uri="{FF2B5EF4-FFF2-40B4-BE49-F238E27FC236}">
+                <a16:creationId xmlns:a16="http://schemas.microsoft.com/office/drawing/2014/main" id="{B53E832E-B631-4B2C-9346-2A572DDB21DE}"/>
+              </a:ext>
+            </a:extLst>
+          </p:cNvPr>
+          <p:cNvGrpSpPr/>
+          <p:nvPr/>
+        </p:nvGrpSpPr>
+        <p:grpSpPr>
+          <a:xfrm>
+            <a:off x="2679469" y="964099"/>
+            <a:ext cx="12160476" cy="8789502"/>
+            <a:chOff x="2679459" y="964092"/>
+            <a:chExt cx="12160495" cy="8789515"/>
+          </a:xfrm>
+        </p:grpSpPr>
+        <p:pic>
+          <p:nvPicPr>
+            <p:cNvPr id="8" name="Afbeelding 7">
+              <a:extLst>
+                <a:ext uri="{FF2B5EF4-FFF2-40B4-BE49-F238E27FC236}">
+                  <a16:creationId xmlns:a16="http://schemas.microsoft.com/office/drawing/2014/main" id="{B05F02E5-CD75-45BE-A526-10F6E877EC09}"/>
+                </a:ext>
+              </a:extLst>
+            </p:cNvPr>
+            <p:cNvPicPr>
+              <a:picLocks noChangeAspect="1"/>
+            </p:cNvPicPr>
+            <p:nvPr/>
+          </p:nvPicPr>
+          <p:blipFill>
+            <a:blip r:embed="rId2"/>
+            <a:stretch>
+              <a:fillRect/>
+            </a:stretch>
+          </p:blipFill>
+          <p:spPr>
+            <a:xfrm>
+              <a:off x="2679459" y="964092"/>
+              <a:ext cx="12160495" cy="8789515"/>
+            </a:xfrm>
+            <a:prstGeom prst="rect">
+              <a:avLst/>
+            </a:prstGeom>
+          </p:spPr>
+        </p:pic>
+        <p:grpSp>
+          <p:nvGrpSpPr>
+            <p:cNvPr id="9" name="Groep 8">
+              <a:extLst>
+                <a:ext uri="{FF2B5EF4-FFF2-40B4-BE49-F238E27FC236}">
+                  <a16:creationId xmlns:a16="http://schemas.microsoft.com/office/drawing/2014/main" id="{060CDB86-3335-4339-B765-0BD17BC96F72}"/>
+                </a:ext>
+              </a:extLst>
+            </p:cNvPr>
+            <p:cNvGrpSpPr/>
+            <p:nvPr/>
+          </p:nvGrpSpPr>
+          <p:grpSpPr>
+            <a:xfrm>
+              <a:off x="4211741" y="4178040"/>
+              <a:ext cx="1352059" cy="437771"/>
+              <a:chOff x="4305488" y="4170652"/>
+              <a:chExt cx="1352059" cy="437771"/>
+            </a:xfrm>
+          </p:grpSpPr>
+          <p:pic>
+            <p:nvPicPr>
+              <p:cNvPr id="3078" name="Picture 6" descr="https://cdn.freebiesupply.com/logos/large/2x/python-3-logo-black-and-white.png">
+                <a:extLst>
+                  <a:ext uri="{FF2B5EF4-FFF2-40B4-BE49-F238E27FC236}">
+                    <a16:creationId xmlns:a16="http://schemas.microsoft.com/office/drawing/2014/main" id="{6175F6C3-B6DF-412C-9F64-8BC617014901}"/>
+                  </a:ext>
+                </a:extLst>
+              </p:cNvPr>
+              <p:cNvPicPr>
+                <a:picLocks noChangeAspect="1" noChangeArrowheads="1"/>
+              </p:cNvPicPr>
+              <p:nvPr/>
+            </p:nvPicPr>
+            <p:blipFill rotWithShape="1">
+              <a:blip r:embed="rId3" cstate="print">
+                <a:extLst>
+                  <a:ext uri="{28A0092B-C50C-407E-A947-70E740481C1C}">
+                    <a14:useLocalDpi xmlns:a14="http://schemas.microsoft.com/office/drawing/2010/main" val="0"/>
+                  </a:ext>
+                </a:extLst>
+              </a:blip>
+              <a:srcRect l="26022" t="1" b="10523"/>
+              <a:stretch/>
+            </p:blipFill>
+            <p:spPr bwMode="auto">
+              <a:xfrm>
+                <a:off x="4690976" y="4194376"/>
+                <a:ext cx="966571" cy="339524"/>
+              </a:xfrm>
+              <a:prstGeom prst="rect">
+                <a:avLst/>
+              </a:prstGeom>
+              <a:noFill/>
+              <a:extLst>
+                <a:ext uri="{909E8E84-426E-40DD-AFC4-6F175D3DCCD1}">
+                  <a14:hiddenFill xmlns:a14="http://schemas.microsoft.com/office/drawing/2010/main">
+                    <a:solidFill>
+                      <a:srgbClr val="FFFFFF"/>
+                    </a:solidFill>
+                  </a14:hiddenFill>
+                </a:ext>
+              </a:extLst>
+            </p:spPr>
+          </p:pic>
+          <p:pic>
+            <p:nvPicPr>
+              <p:cNvPr id="3080" name="Picture 8" descr="https://cdn.freebiesupply.com/logos/large/2x/python-3-logo-png-transparent.png">
+                <a:extLst>
+                  <a:ext uri="{FF2B5EF4-FFF2-40B4-BE49-F238E27FC236}">
+                    <a16:creationId xmlns:a16="http://schemas.microsoft.com/office/drawing/2014/main" id="{471377E7-779D-4583-8E3D-E3484F2954CB}"/>
+                  </a:ext>
+                </a:extLst>
+              </p:cNvPr>
+              <p:cNvPicPr>
+                <a:picLocks noChangeAspect="1" noChangeArrowheads="1"/>
+              </p:cNvPicPr>
+              <p:nvPr/>
+            </p:nvPicPr>
+            <p:blipFill rotWithShape="1">
+              <a:blip r:embed="rId4" cstate="print">
+                <a:extLst>
+                  <a:ext uri="{28A0092B-C50C-407E-A947-70E740481C1C}">
+                    <a14:useLocalDpi xmlns:a14="http://schemas.microsoft.com/office/drawing/2010/main" val="0"/>
+                  </a:ext>
+                </a:extLst>
+              </a:blip>
+              <a:srcRect r="73055"/>
+              <a:stretch/>
+            </p:blipFill>
+            <p:spPr bwMode="auto">
+              <a:xfrm>
+                <a:off x="4305488" y="4170652"/>
+                <a:ext cx="406159" cy="437771"/>
+              </a:xfrm>
+              <a:prstGeom prst="rect">
+                <a:avLst/>
+              </a:prstGeom>
+              <a:noFill/>
+              <a:extLst>
+                <a:ext uri="{909E8E84-426E-40DD-AFC4-6F175D3DCCD1}">
+                  <a14:hiddenFill xmlns:a14="http://schemas.microsoft.com/office/drawing/2010/main">
+                    <a:solidFill>
+                      <a:srgbClr val="FFFFFF"/>
+                    </a:solidFill>
+                  </a14:hiddenFill>
+                </a:ext>
+              </a:extLst>
+            </p:spPr>
+          </p:pic>
+        </p:grpSp>
+      </p:grpSp>
     </p:spTree>
     <p:extLst>
       <p:ext uri="{BB962C8B-B14F-4D97-AF65-F5344CB8AC3E}">
@@ -3983,238 +4772,54 @@
       </p:grpSpPr>
       <p:sp>
         <p:nvSpPr>
-          <p:cNvPr id="2" name="Titel 1"/>
-          <p:cNvSpPr>
-            <a:spLocks noGrp="1"/>
-          </p:cNvSpPr>
-          <p:nvPr>
-            <p:ph type="title"/>
-          </p:nvPr>
-        </p:nvSpPr>
-        <p:spPr>
-          <a:xfrm>
-            <a:off x="830118" y="136025"/>
-            <a:ext cx="15705282" cy="863693"/>
-          </a:xfrm>
-        </p:spPr>
+          <p:cNvPr id="8" name="Titel 7"/>
+          <p:cNvSpPr>
+            <a:spLocks noGrp="1"/>
+          </p:cNvSpPr>
+          <p:nvPr>
+            <p:ph type="ctrTitle"/>
+          </p:nvPr>
+        </p:nvSpPr>
+        <p:spPr/>
         <p:txBody>
           <a:bodyPr/>
           <a:lstStyle/>
           <a:p>
             <a:r>
               <a:rPr lang="nl-NL" dirty="0"/>
-              <a:t>UI: realistische 2D visualisatie</a:t>
-            </a:r>
-          </a:p>
-        </p:txBody>
-      </p:sp>
-      <p:sp>
-        <p:nvSpPr>
-          <p:cNvPr id="3" name="Tijdelijke aanduiding voor inhoud 2"/>
-          <p:cNvSpPr>
-            <a:spLocks noGrp="1"/>
-          </p:cNvSpPr>
-          <p:nvPr>
-            <p:ph idx="1"/>
+              <a:t>features</a:t>
+            </a:r>
+          </a:p>
+        </p:txBody>
+      </p:sp>
+      <p:sp>
+        <p:nvSpPr>
+          <p:cNvPr id="5" name="Slide Number Placeholder 4"/>
+          <p:cNvSpPr>
+            <a:spLocks noGrp="1"/>
+          </p:cNvSpPr>
+          <p:nvPr>
+            <p:ph type="sldNum" sz="quarter" idx="4"/>
           </p:nvPr>
         </p:nvSpPr>
         <p:spPr/>
         <p:txBody>
-          <a:bodyPr>
-            <a:normAutofit fontScale="70000" lnSpcReduction="20000"/>
-          </a:bodyPr>
-          <a:lstStyle/>
-          <a:p>
-            <a:r>
-              <a:rPr lang="nl-NL" dirty="0"/>
-              <a:t>Leaflet</a:t>
-            </a:r>
-          </a:p>
-          <a:p>
-            <a:pPr lvl="1"/>
-            <a:r>
-              <a:rPr lang="nl-NL" dirty="0" err="1"/>
-              <a:t>JavaScript</a:t>
-            </a:r>
-            <a:r>
-              <a:rPr lang="nl-NL" dirty="0"/>
-              <a:t> </a:t>
-            </a:r>
-            <a:r>
-              <a:rPr lang="nl-NL" dirty="0" err="1"/>
-              <a:t>library</a:t>
-            </a:r>
-            <a:r>
-              <a:rPr lang="nl-NL" dirty="0"/>
-              <a:t> voor interactieve kaarten</a:t>
-            </a:r>
-          </a:p>
-          <a:p>
-            <a:pPr lvl="1"/>
-            <a:r>
-              <a:rPr lang="nl-NL" dirty="0"/>
-              <a:t>Geïntegreerd in front-end als </a:t>
-            </a:r>
-            <a:r>
-              <a:rPr lang="nl-NL" dirty="0" err="1"/>
-              <a:t>Angular</a:t>
-            </a:r>
-            <a:r>
-              <a:rPr lang="nl-NL" dirty="0"/>
-              <a:t> Directive</a:t>
-            </a:r>
-          </a:p>
-          <a:p>
-            <a:pPr lvl="1"/>
-            <a:r>
-              <a:rPr lang="nl-NL" dirty="0"/>
-              <a:t>Ondersteuning voor bestaande </a:t>
-            </a:r>
-            <a:r>
-              <a:rPr lang="nl-NL" dirty="0" err="1"/>
-              <a:t>plugins</a:t>
-            </a:r>
-            <a:r>
-              <a:rPr lang="nl-NL" dirty="0"/>
-              <a:t> (live data, </a:t>
-            </a:r>
-            <a:r>
-              <a:rPr lang="nl-NL" dirty="0" err="1"/>
-              <a:t>drawing</a:t>
-            </a:r>
-            <a:r>
-              <a:rPr lang="nl-NL" dirty="0"/>
-              <a:t>, </a:t>
-            </a:r>
-            <a:r>
-              <a:rPr lang="nl-NL" dirty="0" err="1"/>
-              <a:t>heatmaps</a:t>
-            </a:r>
-            <a:r>
-              <a:rPr lang="nl-NL" dirty="0"/>
-              <a:t> …)</a:t>
-            </a:r>
-          </a:p>
-          <a:p>
-            <a:pPr lvl="1"/>
-            <a:endParaRPr lang="nl-NL" dirty="0"/>
-          </a:p>
-          <a:p>
-            <a:r>
-              <a:rPr lang="nl-NL" dirty="0"/>
-              <a:t>Features</a:t>
-            </a:r>
-          </a:p>
-          <a:p>
-            <a:pPr lvl="1"/>
-            <a:r>
-              <a:rPr lang="nl-NL" dirty="0"/>
-              <a:t>Ondersteuning voor mobile (</a:t>
-            </a:r>
-            <a:r>
-              <a:rPr lang="nl-NL" dirty="0" err="1"/>
-              <a:t>touch</a:t>
-            </a:r>
-            <a:r>
-              <a:rPr lang="nl-NL" dirty="0"/>
-              <a:t>, </a:t>
-            </a:r>
-            <a:r>
-              <a:rPr lang="nl-NL" dirty="0" err="1"/>
-              <a:t>gestures</a:t>
-            </a:r>
-            <a:r>
-              <a:rPr lang="nl-NL" dirty="0"/>
-              <a:t>, </a:t>
-            </a:r>
-            <a:r>
-              <a:rPr lang="nl-NL" dirty="0" err="1"/>
-              <a:t>scaling</a:t>
-            </a:r>
-            <a:r>
-              <a:rPr lang="nl-NL" dirty="0"/>
-              <a:t> …)</a:t>
-            </a:r>
-          </a:p>
-          <a:p>
-            <a:pPr lvl="1"/>
-            <a:r>
-              <a:rPr lang="nl-NL" dirty="0"/>
-              <a:t>Kaarten interactief aanpassen</a:t>
-            </a:r>
-          </a:p>
-          <a:p>
-            <a:pPr lvl="2"/>
-            <a:r>
-              <a:rPr lang="nl-NL" dirty="0"/>
-              <a:t>Vliegroutes, obstakels en scan zones</a:t>
-            </a:r>
-          </a:p>
-          <a:p>
-            <a:pPr lvl="1"/>
-            <a:r>
-              <a:rPr lang="nl-NL" dirty="0" err="1"/>
-              <a:t>Panning</a:t>
-            </a:r>
-            <a:r>
-              <a:rPr lang="nl-NL" dirty="0"/>
-              <a:t> &amp; zoom </a:t>
-            </a:r>
-            <a:r>
-              <a:rPr lang="nl-NL" dirty="0" err="1"/>
-              <a:t>besturingsselementen</a:t>
-            </a:r>
-            <a:endParaRPr lang="nl-NL" dirty="0"/>
-          </a:p>
-          <a:p>
-            <a:pPr lvl="1"/>
-            <a:r>
-              <a:rPr lang="nl-NL" dirty="0"/>
-              <a:t>Instelbare schaalverhouding en coördinatenstelsels</a:t>
-            </a:r>
-          </a:p>
-          <a:p>
-            <a:pPr lvl="1"/>
-            <a:r>
-              <a:rPr lang="nl-NL" dirty="0"/>
-              <a:t>Live visualisatie van de drone (positie, oriëntatie/richting)</a:t>
-            </a:r>
-          </a:p>
-          <a:p>
-            <a:endParaRPr lang="nl-NL" dirty="0"/>
-          </a:p>
-          <a:p>
-            <a:endParaRPr lang="nl-NL" dirty="0"/>
-          </a:p>
-        </p:txBody>
-      </p:sp>
-      <p:sp>
-        <p:nvSpPr>
-          <p:cNvPr id="4" name="Tijdelijke aanduiding voor dianummer 3"/>
-          <p:cNvSpPr>
-            <a:spLocks noGrp="1"/>
-          </p:cNvSpPr>
-          <p:nvPr>
-            <p:ph type="sldNum" sz="quarter" idx="12"/>
-          </p:nvPr>
-        </p:nvSpPr>
-        <p:spPr/>
-        <p:txBody>
           <a:bodyPr/>
           <a:lstStyle/>
           <a:p>
             <a:fld id="{7AE184E0-0BD4-4705-A12B-9B71DDE63301}" type="slidenum">
-              <a:rPr lang="nl-BE" noProof="0" smtClean="0"/>
+              <a:rPr lang="nl-BE" smtClean="0"/>
+              <a:pPr/>
               <a:t>6</a:t>
             </a:fld>
-            <a:endParaRPr lang="nl-BE" noProof="0" dirty="0"/>
+            <a:endParaRPr lang="nl-BE" dirty="0"/>
           </a:p>
         </p:txBody>
       </p:sp>
     </p:spTree>
     <p:extLst>
       <p:ext uri="{BB962C8B-B14F-4D97-AF65-F5344CB8AC3E}">
-        <p14:creationId xmlns:p14="http://schemas.microsoft.com/office/powerpoint/2010/main" val="1880451939"/>
+        <p14:creationId xmlns:p14="http://schemas.microsoft.com/office/powerpoint/2010/main" val="1950979005"/>
       </p:ext>
     </p:extLst>
   </p:cSld>
@@ -4253,8 +4858,8 @@
         </p:nvSpPr>
         <p:spPr>
           <a:xfrm>
-            <a:off x="830118" y="136025"/>
-            <a:ext cx="15705282" cy="863693"/>
+            <a:off x="830120" y="136030"/>
+            <a:ext cx="15705281" cy="863693"/>
           </a:xfrm>
         </p:spPr>
         <p:txBody>
@@ -4263,7 +4868,7 @@
           <a:p>
             <a:r>
               <a:rPr lang="nl-NL" dirty="0"/>
-              <a:t>Vliegpaden valideren</a:t>
+              <a:t>UI: realistische 2D visualisatie</a:t>
             </a:r>
           </a:p>
         </p:txBody>
@@ -4281,51 +4886,152 @@
         <p:spPr/>
         <p:txBody>
           <a:bodyPr>
-            <a:normAutofit/>
+            <a:normAutofit fontScale="70000" lnSpcReduction="20000"/>
           </a:bodyPr>
           <a:lstStyle/>
           <a:p>
             <a:r>
+              <a:rPr lang="nl-NL" dirty="0"/>
+              <a:t>Leaflet</a:t>
+            </a:r>
+          </a:p>
+          <a:p>
+            <a:pPr lvl="1"/>
+            <a:r>
+              <a:rPr lang="nl-NL" dirty="0"/>
+              <a:t>Javascript bibliotheek voor interactieve kaarten</a:t>
+            </a:r>
+          </a:p>
+          <a:p>
+            <a:pPr lvl="1"/>
+            <a:r>
+              <a:rPr lang="nl-NL" dirty="0"/>
+              <a:t>Geïntegreerd in front-end als </a:t>
+            </a:r>
+            <a:r>
               <a:rPr lang="nl-NL" dirty="0" err="1"/>
-              <a:t>Pathfinding</a:t>
-            </a:r>
+              <a:t>Angular</a:t>
+            </a:r>
+            <a:r>
+              <a:rPr lang="nl-NL" dirty="0"/>
+              <a:t> Directive</a:t>
+            </a:r>
+          </a:p>
+          <a:p>
+            <a:pPr lvl="1"/>
+            <a:r>
+              <a:rPr lang="nl-NL" dirty="0"/>
+              <a:t>Ondersteuning voor bestaande </a:t>
+            </a:r>
+            <a:r>
+              <a:rPr lang="nl-NL" dirty="0" err="1"/>
+              <a:t>plugins</a:t>
+            </a:r>
+            <a:r>
+              <a:rPr lang="nl-NL" dirty="0"/>
+              <a:t> (live data, </a:t>
+            </a:r>
+            <a:r>
+              <a:rPr lang="nl-NL" dirty="0" err="1"/>
+              <a:t>drawing</a:t>
+            </a:r>
+            <a:r>
+              <a:rPr lang="nl-NL" dirty="0"/>
+              <a:t>, </a:t>
+            </a:r>
+            <a:r>
+              <a:rPr lang="nl-NL" dirty="0" err="1"/>
+              <a:t>heatmaps</a:t>
+            </a:r>
+            <a:r>
+              <a:rPr lang="nl-NL" dirty="0"/>
+              <a:t> …)</a:t>
+            </a:r>
+          </a:p>
+          <a:p>
+            <a:pPr lvl="1"/>
             <a:endParaRPr lang="nl-NL" dirty="0"/>
           </a:p>
           <a:p>
+            <a:r>
+              <a:rPr lang="nl-NL" dirty="0"/>
+              <a:t>Features</a:t>
+            </a:r>
+          </a:p>
+          <a:p>
             <a:pPr lvl="1"/>
             <a:r>
               <a:rPr lang="nl-NL" dirty="0"/>
-              <a:t>A* algoritme</a:t>
+              <a:t>Ondersteuning voor mobile (</a:t>
+            </a:r>
+            <a:r>
+              <a:rPr lang="nl-NL" dirty="0" err="1"/>
+              <a:t>touch</a:t>
+            </a:r>
+            <a:r>
+              <a:rPr lang="nl-NL" dirty="0"/>
+              <a:t>, </a:t>
+            </a:r>
+            <a:r>
+              <a:rPr lang="nl-NL" dirty="0" err="1"/>
+              <a:t>gestures</a:t>
+            </a:r>
+            <a:r>
+              <a:rPr lang="nl-NL" dirty="0"/>
+              <a:t>, </a:t>
+            </a:r>
+            <a:r>
+              <a:rPr lang="nl-NL" dirty="0" err="1"/>
+              <a:t>scaling</a:t>
+            </a:r>
+            <a:r>
+              <a:rPr lang="nl-NL" dirty="0"/>
+              <a:t> …)</a:t>
             </a:r>
           </a:p>
           <a:p>
             <a:pPr lvl="1"/>
             <a:r>
               <a:rPr lang="nl-NL" dirty="0"/>
-              <a:t>Collision </a:t>
-            </a:r>
+              <a:t>Kaarten dynamisch aanpassen</a:t>
+            </a:r>
+          </a:p>
+          <a:p>
+            <a:pPr lvl="2"/>
+            <a:r>
+              <a:rPr lang="nl-NL" dirty="0"/>
+              <a:t>Vliegroutes, obstakels en scan zones</a:t>
+            </a:r>
+          </a:p>
+          <a:p>
+            <a:pPr lvl="1"/>
             <a:r>
               <a:rPr lang="nl-NL" dirty="0" err="1"/>
-              <a:t>detection</a:t>
+              <a:t>Panning</a:t>
+            </a:r>
+            <a:r>
+              <a:rPr lang="nl-NL" dirty="0"/>
+              <a:t> &amp; zoom </a:t>
+            </a:r>
+            <a:r>
+              <a:rPr lang="nl-NL" dirty="0" err="1"/>
+              <a:t>besturingsselementen</a:t>
             </a:r>
             <a:endParaRPr lang="nl-NL" dirty="0"/>
           </a:p>
           <a:p>
-            <a:pPr lvl="2"/>
-            <a:r>
-              <a:rPr lang="nl-NL" dirty="0"/>
-              <a:t>corrigeren van onmogelijke paden door obstakels</a:t>
-            </a:r>
-          </a:p>
-          <a:p>
             <a:pPr lvl="1"/>
             <a:r>
               <a:rPr lang="nl-NL" dirty="0"/>
-              <a:t>Backend service</a:t>
-            </a:r>
-          </a:p>
-          <a:p>
-            <a:endParaRPr lang="nl-NL" dirty="0"/>
+              <a:t>Instelbare schaalverhouding en coördinatenstelsels</a:t>
+            </a:r>
+          </a:p>
+          <a:p>
+            <a:pPr lvl="1"/>
+            <a:r>
+              <a:rPr lang="nl-NL" dirty="0"/>
+              <a:t>Live visualisatie van de drone (positie, oriëntatie/richting)</a:t>
+            </a:r>
           </a:p>
           <a:p>
             <a:endParaRPr lang="nl-NL" dirty="0"/>
@@ -4358,10 +5064,111 @@
           </a:p>
         </p:txBody>
       </p:sp>
+      <p:pic>
+        <p:nvPicPr>
+          <p:cNvPr id="1026" name="Picture 2" descr="Leaflet">
+            <a:extLst>
+              <a:ext uri="{FF2B5EF4-FFF2-40B4-BE49-F238E27FC236}">
+                <a16:creationId xmlns:a16="http://schemas.microsoft.com/office/drawing/2014/main" id="{935F248C-EC78-484A-9965-3704D1915E6E}"/>
+              </a:ext>
+            </a:extLst>
+          </p:cNvPr>
+          <p:cNvPicPr>
+            <a:picLocks noChangeAspect="1" noChangeArrowheads="1"/>
+          </p:cNvPicPr>
+          <p:nvPr/>
+        </p:nvPicPr>
+        <p:blipFill>
+          <a:blip r:embed="rId2">
+            <a:extLst>
+              <a:ext uri="{28A0092B-C50C-407E-A947-70E740481C1C}">
+                <a14:useLocalDpi xmlns:a14="http://schemas.microsoft.com/office/drawing/2010/main" val="0"/>
+              </a:ext>
+            </a:extLst>
+          </a:blip>
+          <a:srcRect/>
+          <a:stretch>
+            <a:fillRect/>
+          </a:stretch>
+        </p:blipFill>
+        <p:spPr bwMode="auto">
+          <a:xfrm>
+            <a:off x="12779180" y="1290345"/>
+            <a:ext cx="4323749" cy="1145793"/>
+          </a:xfrm>
+          <a:prstGeom prst="rect">
+            <a:avLst/>
+          </a:prstGeom>
+          <a:noFill/>
+          <a:extLst>
+            <a:ext uri="{909E8E84-426E-40DD-AFC4-6F175D3DCCD1}">
+              <a14:hiddenFill xmlns:a14="http://schemas.microsoft.com/office/drawing/2010/main">
+                <a:solidFill>
+                  <a:srgbClr val="FFFFFF"/>
+                </a:solidFill>
+              </a14:hiddenFill>
+            </a:ext>
+          </a:extLst>
+        </p:spPr>
+      </p:pic>
+      <p:pic>
+        <p:nvPicPr>
+          <p:cNvPr id="1028" name="Picture 4" descr="Afbeeldingsresultaat voor leaflet js">
+            <a:extLst>
+              <a:ext uri="{FF2B5EF4-FFF2-40B4-BE49-F238E27FC236}">
+                <a16:creationId xmlns:a16="http://schemas.microsoft.com/office/drawing/2014/main" id="{20D2E6E3-A6A6-4F7D-A8BA-7CB0BF0AAE22}"/>
+              </a:ext>
+            </a:extLst>
+          </p:cNvPr>
+          <p:cNvPicPr>
+            <a:picLocks noChangeAspect="1" noChangeArrowheads="1"/>
+          </p:cNvPicPr>
+          <p:nvPr/>
+        </p:nvPicPr>
+        <p:blipFill>
+          <a:blip r:embed="rId3">
+            <a:extLst>
+              <a:ext uri="{28A0092B-C50C-407E-A947-70E740481C1C}">
+                <a14:useLocalDpi xmlns:a14="http://schemas.microsoft.com/office/drawing/2010/main" val="0"/>
+              </a:ext>
+            </a:extLst>
+          </a:blip>
+          <a:srcRect/>
+          <a:stretch>
+            <a:fillRect/>
+          </a:stretch>
+        </p:blipFill>
+        <p:spPr bwMode="auto">
+          <a:xfrm>
+            <a:off x="13165925" y="4542364"/>
+            <a:ext cx="3937000" cy="2362200"/>
+          </a:xfrm>
+          <a:prstGeom prst="rect">
+            <a:avLst/>
+          </a:prstGeom>
+          <a:noFill/>
+          <a:effectLst>
+            <a:outerShdw blurRad="50800" dist="38100" dir="5400000" algn="t" rotWithShape="0">
+              <a:prstClr val="black">
+                <a:alpha val="40000"/>
+              </a:prstClr>
+            </a:outerShdw>
+          </a:effectLst>
+          <a:extLst>
+            <a:ext uri="{909E8E84-426E-40DD-AFC4-6F175D3DCCD1}">
+              <a14:hiddenFill xmlns:a14="http://schemas.microsoft.com/office/drawing/2010/main">
+                <a:solidFill>
+                  <a:srgbClr val="FFFFFF"/>
+                </a:solidFill>
+              </a14:hiddenFill>
+            </a:ext>
+          </a:extLst>
+        </p:spPr>
+      </p:pic>
     </p:spTree>
     <p:extLst>
       <p:ext uri="{BB962C8B-B14F-4D97-AF65-F5344CB8AC3E}">
-        <p14:creationId xmlns:p14="http://schemas.microsoft.com/office/powerpoint/2010/main" val="206373210"/>
+        <p14:creationId xmlns:p14="http://schemas.microsoft.com/office/powerpoint/2010/main" val="1880451939"/>
       </p:ext>
     </p:extLst>
   </p:cSld>
@@ -4400,8 +5207,8 @@
         </p:nvSpPr>
         <p:spPr>
           <a:xfrm>
-            <a:off x="830118" y="136025"/>
-            <a:ext cx="15705282" cy="863693"/>
+            <a:off x="830120" y="136030"/>
+            <a:ext cx="15705281" cy="863693"/>
           </a:xfrm>
         </p:spPr>
         <p:txBody>
@@ -4442,26 +5249,36 @@
             <a:pPr lvl="1"/>
             <a:r>
               <a:rPr lang="nl-NL" dirty="0"/>
-              <a:t>A* algoritme</a:t>
+              <a:t>A*-algoritme met extra condities</a:t>
+            </a:r>
+          </a:p>
+          <a:p>
+            <a:pPr lvl="2"/>
+            <a:r>
+              <a:rPr lang="nl-NL" dirty="0"/>
+              <a:t>Drone afmetingen</a:t>
+            </a:r>
+          </a:p>
+          <a:p>
+            <a:pPr lvl="2"/>
+            <a:r>
+              <a:rPr lang="nl-NL" dirty="0"/>
+              <a:t>Graaf </a:t>
+            </a:r>
+            <a:r>
+              <a:rPr lang="nl-NL" dirty="0" err="1"/>
+              <a:t>herberekenen</a:t>
+            </a:r>
+            <a:r>
+              <a:rPr lang="nl-NL" dirty="0"/>
+              <a:t> bij aanpassingen kaart</a:t>
             </a:r>
           </a:p>
           <a:p>
             <a:pPr lvl="1"/>
             <a:r>
               <a:rPr lang="nl-NL" dirty="0"/>
-              <a:t>Collision </a:t>
-            </a:r>
-            <a:r>
-              <a:rPr lang="nl-NL" dirty="0" err="1"/>
-              <a:t>detection</a:t>
-            </a:r>
-            <a:endParaRPr lang="nl-NL" dirty="0"/>
-          </a:p>
-          <a:p>
-            <a:pPr lvl="2"/>
-            <a:r>
-              <a:rPr lang="nl-NL" dirty="0"/>
-              <a:t>corrigeren van onmogelijke routes door obstakels</a:t>
+              <a:t>Corrigeren van onmogelijke routes bij obstakels</a:t>
             </a:r>
           </a:p>
           <a:p>
@@ -4505,6 +5322,53 @@
           </a:p>
         </p:txBody>
       </p:sp>
+      <p:pic>
+        <p:nvPicPr>
+          <p:cNvPr id="2052" name="Picture 4" descr="File:Astar progress animation.gif">
+            <a:extLst>
+              <a:ext uri="{FF2B5EF4-FFF2-40B4-BE49-F238E27FC236}">
+                <a16:creationId xmlns:a16="http://schemas.microsoft.com/office/drawing/2014/main" id="{13B2B536-EDA7-441E-BFE0-C0621AAB3505}"/>
+              </a:ext>
+            </a:extLst>
+          </p:cNvPr>
+          <p:cNvPicPr>
+            <a:picLocks noChangeAspect="1" noChangeArrowheads="1" noCrop="1"/>
+          </p:cNvPicPr>
+          <p:nvPr/>
+        </p:nvPicPr>
+        <p:blipFill>
+          <a:blip r:embed="rId2">
+            <a:extLst>
+              <a:ext uri="{28A0092B-C50C-407E-A947-70E740481C1C}">
+                <a14:useLocalDpi xmlns:a14="http://schemas.microsoft.com/office/drawing/2010/main" val="0"/>
+              </a:ext>
+            </a:extLst>
+          </a:blip>
+          <a:srcRect/>
+          <a:stretch>
+            <a:fillRect/>
+          </a:stretch>
+        </p:blipFill>
+        <p:spPr bwMode="auto">
+          <a:xfrm>
+            <a:off x="11611431" y="4768316"/>
+            <a:ext cx="4440032" cy="4440032"/>
+          </a:xfrm>
+          <a:prstGeom prst="rect">
+            <a:avLst/>
+          </a:prstGeom>
+          <a:noFill/>
+          <a:extLst>
+            <a:ext uri="{909E8E84-426E-40DD-AFC4-6F175D3DCCD1}">
+              <a14:hiddenFill xmlns:a14="http://schemas.microsoft.com/office/drawing/2010/main">
+                <a:solidFill>
+                  <a:srgbClr val="FFFFFF"/>
+                </a:solidFill>
+              </a14:hiddenFill>
+            </a:ext>
+          </a:extLst>
+        </p:spPr>
+      </p:pic>
     </p:spTree>
     <p:extLst>
       <p:ext uri="{BB962C8B-B14F-4D97-AF65-F5344CB8AC3E}">
@@ -4547,8 +5411,8 @@
         </p:nvSpPr>
         <p:spPr>
           <a:xfrm>
-            <a:off x="830118" y="136025"/>
-            <a:ext cx="15705282" cy="863693"/>
+            <a:off x="830120" y="136030"/>
+            <a:ext cx="15705281" cy="863693"/>
           </a:xfrm>
         </p:spPr>
         <p:txBody>
@@ -4579,12 +5443,18 @@
         <p:spPr/>
         <p:txBody>
           <a:bodyPr>
-            <a:normAutofit/>
+            <a:normAutofit lnSpcReduction="10000"/>
           </a:bodyPr>
           <a:lstStyle/>
           <a:p>
             <a:r>
               <a:rPr lang="nl-NL" dirty="0"/>
+              <a:t>Python</a:t>
+            </a:r>
+          </a:p>
+          <a:p>
+            <a:r>
+              <a:rPr lang="nl-NL" dirty="0"/>
               <a:t>Ontvangen van commando signalen	</a:t>
             </a:r>
           </a:p>
@@ -4592,7 +5462,7 @@
             <a:pPr lvl="1"/>
             <a:r>
               <a:rPr lang="nl-NL" dirty="0"/>
-              <a:t>Start, stop, pauze</a:t>
+              <a:t>Start, stop, pauzeer</a:t>
             </a:r>
           </a:p>
           <a:p>
@@ -4603,9 +5473,30 @@
             </a:r>
           </a:p>
           <a:p>
-            <a:r>
-              <a:rPr lang="nl-NL" dirty="0"/>
-              <a:t>Versturen van gegenereerde data</a:t>
+            <a:pPr lvl="1"/>
+            <a:r>
+              <a:rPr lang="nl-NL" dirty="0"/>
+              <a:t>Scannen van een locatie</a:t>
+            </a:r>
+          </a:p>
+          <a:p>
+            <a:r>
+              <a:rPr lang="nl-NL" dirty="0"/>
+              <a:t>Versturen van data</a:t>
+            </a:r>
+          </a:p>
+          <a:p>
+            <a:pPr lvl="1"/>
+            <a:r>
+              <a:rPr lang="nl-NL" dirty="0"/>
+              <a:t>Vlucht data (positie, oriëntatie…)</a:t>
+            </a:r>
+          </a:p>
+          <a:p>
+            <a:pPr lvl="1"/>
+            <a:r>
+              <a:rPr lang="nl-NL" dirty="0"/>
+              <a:t>Gescande items</a:t>
             </a:r>
           </a:p>
           <a:p>
@@ -4642,6 +5533,53 @@
           </a:p>
         </p:txBody>
       </p:sp>
+      <p:pic>
+        <p:nvPicPr>
+          <p:cNvPr id="5" name="Picture 2" descr="Afbeeldingsresultaat voor a* gif">
+            <a:extLst>
+              <a:ext uri="{FF2B5EF4-FFF2-40B4-BE49-F238E27FC236}">
+                <a16:creationId xmlns:a16="http://schemas.microsoft.com/office/drawing/2014/main" id="{C08C1F8C-C3B2-47D0-BB31-0095B436CD62}"/>
+              </a:ext>
+            </a:extLst>
+          </p:cNvPr>
+          <p:cNvPicPr>
+            <a:picLocks noChangeAspect="1" noChangeArrowheads="1" noCrop="1"/>
+          </p:cNvPicPr>
+          <p:nvPr/>
+        </p:nvPicPr>
+        <p:blipFill>
+          <a:blip r:embed="rId2" cstate="print">
+            <a:extLst>
+              <a:ext uri="{28A0092B-C50C-407E-A947-70E740481C1C}">
+                <a14:useLocalDpi xmlns:a14="http://schemas.microsoft.com/office/drawing/2010/main" val="0"/>
+              </a:ext>
+            </a:extLst>
+          </a:blip>
+          <a:srcRect/>
+          <a:stretch>
+            <a:fillRect/>
+          </a:stretch>
+        </p:blipFill>
+        <p:spPr bwMode="auto">
+          <a:xfrm>
+            <a:off x="1447799" y="9075040"/>
+            <a:ext cx="270320" cy="266616"/>
+          </a:xfrm>
+          <a:prstGeom prst="rect">
+            <a:avLst/>
+          </a:prstGeom>
+          <a:noFill/>
+          <a:extLst>
+            <a:ext uri="{909E8E84-426E-40DD-AFC4-6F175D3DCCD1}">
+              <a14:hiddenFill xmlns:a14="http://schemas.microsoft.com/office/drawing/2010/main">
+                <a:solidFill>
+                  <a:srgbClr val="FFFFFF"/>
+                </a:solidFill>
+              </a14:hiddenFill>
+            </a:ext>
+          </a:extLst>
+        </p:spPr>
+      </p:pic>
     </p:spTree>
     <p:extLst>
       <p:ext uri="{BB962C8B-B14F-4D97-AF65-F5344CB8AC3E}">

--- a/presentaties/PresentatieSprint2.pptx
+++ b/presentaties/PresentatieSprint2.pptx
@@ -15,10 +15,10 @@
     <p:sldId id="270" r:id="rId6"/>
     <p:sldId id="275" r:id="rId7"/>
     <p:sldId id="267" r:id="rId8"/>
-    <p:sldId id="271" r:id="rId9"/>
-    <p:sldId id="269" r:id="rId10"/>
-    <p:sldId id="272" r:id="rId11"/>
-    <p:sldId id="273" r:id="rId12"/>
+    <p:sldId id="273" r:id="rId9"/>
+    <p:sldId id="271" r:id="rId10"/>
+    <p:sldId id="269" r:id="rId11"/>
+    <p:sldId id="272" r:id="rId12"/>
     <p:sldId id="274" r:id="rId13"/>
   </p:sldIdLst>
   <p:sldSz cx="17338675" cy="9753600"/>
@@ -3623,6 +3623,217 @@
           <a:lstStyle/>
           <a:p>
             <a:r>
+              <a:rPr lang="nl-NL" dirty="0" err="1"/>
+              <a:t>Mockup</a:t>
+            </a:r>
+            <a:r>
+              <a:rPr lang="nl-NL" dirty="0"/>
+              <a:t> Drone</a:t>
+            </a:r>
+          </a:p>
+        </p:txBody>
+      </p:sp>
+      <p:sp>
+        <p:nvSpPr>
+          <p:cNvPr id="3" name="Tijdelijke aanduiding voor inhoud 2"/>
+          <p:cNvSpPr>
+            <a:spLocks noGrp="1"/>
+          </p:cNvSpPr>
+          <p:nvPr>
+            <p:ph idx="1"/>
+          </p:nvPr>
+        </p:nvSpPr>
+        <p:spPr/>
+        <p:txBody>
+          <a:bodyPr>
+            <a:normAutofit lnSpcReduction="10000"/>
+          </a:bodyPr>
+          <a:lstStyle/>
+          <a:p>
+            <a:r>
+              <a:rPr lang="nl-NL" dirty="0"/>
+              <a:t>Python</a:t>
+            </a:r>
+          </a:p>
+          <a:p>
+            <a:r>
+              <a:rPr lang="nl-NL" dirty="0"/>
+              <a:t>Ontvangen van commando signalen	</a:t>
+            </a:r>
+          </a:p>
+          <a:p>
+            <a:pPr lvl="1"/>
+            <a:r>
+              <a:rPr lang="nl-NL" dirty="0"/>
+              <a:t>Start, stop, pauzeer</a:t>
+            </a:r>
+          </a:p>
+          <a:p>
+            <a:pPr lvl="1"/>
+            <a:r>
+              <a:rPr lang="nl-NL" dirty="0"/>
+              <a:t>Vliegen naar een coördinaat</a:t>
+            </a:r>
+          </a:p>
+          <a:p>
+            <a:pPr lvl="1"/>
+            <a:r>
+              <a:rPr lang="nl-NL" dirty="0"/>
+              <a:t>Scannen van een locatie</a:t>
+            </a:r>
+          </a:p>
+          <a:p>
+            <a:r>
+              <a:rPr lang="nl-NL" dirty="0"/>
+              <a:t>Versturen van data</a:t>
+            </a:r>
+          </a:p>
+          <a:p>
+            <a:pPr lvl="1"/>
+            <a:r>
+              <a:rPr lang="nl-NL" dirty="0"/>
+              <a:t>Vlucht data (positie, oriëntatie…)</a:t>
+            </a:r>
+          </a:p>
+          <a:p>
+            <a:pPr lvl="1"/>
+            <a:r>
+              <a:rPr lang="nl-NL" dirty="0"/>
+              <a:t>Gescande items</a:t>
+            </a:r>
+          </a:p>
+          <a:p>
+            <a:endParaRPr lang="nl-NL" dirty="0"/>
+          </a:p>
+          <a:p>
+            <a:endParaRPr lang="nl-NL" dirty="0"/>
+          </a:p>
+          <a:p>
+            <a:endParaRPr lang="nl-NL" dirty="0"/>
+          </a:p>
+        </p:txBody>
+      </p:sp>
+      <p:sp>
+        <p:nvSpPr>
+          <p:cNvPr id="4" name="Tijdelijke aanduiding voor dianummer 3"/>
+          <p:cNvSpPr>
+            <a:spLocks noGrp="1"/>
+          </p:cNvSpPr>
+          <p:nvPr>
+            <p:ph type="sldNum" sz="quarter" idx="12"/>
+          </p:nvPr>
+        </p:nvSpPr>
+        <p:spPr/>
+        <p:txBody>
+          <a:bodyPr/>
+          <a:lstStyle/>
+          <a:p>
+            <a:fld id="{7AE184E0-0BD4-4705-A12B-9B71DDE63301}" type="slidenum">
+              <a:rPr lang="nl-BE" noProof="0" smtClean="0"/>
+              <a:t>10</a:t>
+            </a:fld>
+            <a:endParaRPr lang="nl-BE" noProof="0" dirty="0"/>
+          </a:p>
+        </p:txBody>
+      </p:sp>
+      <p:pic>
+        <p:nvPicPr>
+          <p:cNvPr id="5" name="Picture 2" descr="Afbeeldingsresultaat voor a* gif">
+            <a:extLst>
+              <a:ext uri="{FF2B5EF4-FFF2-40B4-BE49-F238E27FC236}">
+                <a16:creationId xmlns:a16="http://schemas.microsoft.com/office/drawing/2014/main" id="{C08C1F8C-C3B2-47D0-BB31-0095B436CD62}"/>
+              </a:ext>
+            </a:extLst>
+          </p:cNvPr>
+          <p:cNvPicPr>
+            <a:picLocks noChangeAspect="1" noChangeArrowheads="1" noCrop="1"/>
+          </p:cNvPicPr>
+          <p:nvPr/>
+        </p:nvPicPr>
+        <p:blipFill>
+          <a:blip r:embed="rId2" cstate="print">
+            <a:extLst>
+              <a:ext uri="{28A0092B-C50C-407E-A947-70E740481C1C}">
+                <a14:useLocalDpi xmlns:a14="http://schemas.microsoft.com/office/drawing/2010/main" val="0"/>
+              </a:ext>
+            </a:extLst>
+          </a:blip>
+          <a:srcRect/>
+          <a:stretch>
+            <a:fillRect/>
+          </a:stretch>
+        </p:blipFill>
+        <p:spPr bwMode="auto">
+          <a:xfrm>
+            <a:off x="1447799" y="9075040"/>
+            <a:ext cx="270320" cy="266616"/>
+          </a:xfrm>
+          <a:prstGeom prst="rect">
+            <a:avLst/>
+          </a:prstGeom>
+          <a:noFill/>
+          <a:extLst>
+            <a:ext uri="{909E8E84-426E-40DD-AFC4-6F175D3DCCD1}">
+              <a14:hiddenFill xmlns:a14="http://schemas.microsoft.com/office/drawing/2010/main">
+                <a:solidFill>
+                  <a:srgbClr val="FFFFFF"/>
+                </a:solidFill>
+              </a14:hiddenFill>
+            </a:ext>
+          </a:extLst>
+        </p:spPr>
+      </p:pic>
+    </p:spTree>
+    <p:extLst>
+      <p:ext uri="{BB962C8B-B14F-4D97-AF65-F5344CB8AC3E}">
+        <p14:creationId xmlns:p14="http://schemas.microsoft.com/office/powerpoint/2010/main" val="3841936152"/>
+      </p:ext>
+    </p:extLst>
+  </p:cSld>
+  <p:clrMapOvr>
+    <a:masterClrMapping/>
+  </p:clrMapOvr>
+</p:sld>
+</file>
+
+<file path=ppt/slides/slide11.xml><?xml version="1.0" encoding="utf-8"?>
+<p:sld xmlns:a="http://schemas.openxmlformats.org/drawingml/2006/main" xmlns:r="http://schemas.openxmlformats.org/officeDocument/2006/relationships" xmlns:p="http://schemas.openxmlformats.org/presentationml/2006/main">
+  <p:cSld>
+    <p:spTree>
+      <p:nvGrpSpPr>
+        <p:cNvPr id="1" name=""/>
+        <p:cNvGrpSpPr/>
+        <p:nvPr/>
+      </p:nvGrpSpPr>
+      <p:grpSpPr>
+        <a:xfrm>
+          <a:off x="0" y="0"/>
+          <a:ext cx="0" cy="0"/>
+          <a:chOff x="0" y="0"/>
+          <a:chExt cx="0" cy="0"/>
+        </a:xfrm>
+      </p:grpSpPr>
+      <p:sp>
+        <p:nvSpPr>
+          <p:cNvPr id="2" name="Titel 1"/>
+          <p:cNvSpPr>
+            <a:spLocks noGrp="1"/>
+          </p:cNvSpPr>
+          <p:nvPr>
+            <p:ph type="title"/>
+          </p:nvPr>
+        </p:nvSpPr>
+        <p:spPr>
+          <a:xfrm>
+            <a:off x="830120" y="136030"/>
+            <a:ext cx="15705281" cy="863693"/>
+          </a:xfrm>
+        </p:spPr>
+        <p:txBody>
+          <a:bodyPr/>
+          <a:lstStyle/>
+          <a:p>
+            <a:r>
               <a:rPr lang="nl-NL" dirty="0"/>
               <a:t>Node-RED</a:t>
             </a:r>
@@ -3715,7 +3926,7 @@
           <a:p>
             <a:fld id="{7AE184E0-0BD4-4705-A12B-9B71DDE63301}" type="slidenum">
               <a:rPr lang="nl-BE" noProof="0" smtClean="0"/>
-              <a:t>10</a:t>
+              <a:t>11</a:t>
             </a:fld>
             <a:endParaRPr lang="nl-BE" noProof="0" dirty="0"/>
           </a:p>
@@ -3802,194 +4013,6 @@
     <p:extLst>
       <p:ext uri="{BB962C8B-B14F-4D97-AF65-F5344CB8AC3E}">
         <p14:creationId xmlns:p14="http://schemas.microsoft.com/office/powerpoint/2010/main" val="3618805914"/>
-      </p:ext>
-    </p:extLst>
-  </p:cSld>
-  <p:clrMapOvr>
-    <a:masterClrMapping/>
-  </p:clrMapOvr>
-</p:sld>
-</file>
-
-<file path=ppt/slides/slide11.xml><?xml version="1.0" encoding="utf-8"?>
-<p:sld xmlns:a="http://schemas.openxmlformats.org/drawingml/2006/main" xmlns:r="http://schemas.openxmlformats.org/officeDocument/2006/relationships" xmlns:p="http://schemas.openxmlformats.org/presentationml/2006/main">
-  <p:cSld>
-    <p:spTree>
-      <p:nvGrpSpPr>
-        <p:cNvPr id="1" name=""/>
-        <p:cNvGrpSpPr/>
-        <p:nvPr/>
-      </p:nvGrpSpPr>
-      <p:grpSpPr>
-        <a:xfrm>
-          <a:off x="0" y="0"/>
-          <a:ext cx="0" cy="0"/>
-          <a:chOff x="0" y="0"/>
-          <a:chExt cx="0" cy="0"/>
-        </a:xfrm>
-      </p:grpSpPr>
-      <p:sp>
-        <p:nvSpPr>
-          <p:cNvPr id="2" name="Titel 1"/>
-          <p:cNvSpPr>
-            <a:spLocks noGrp="1"/>
-          </p:cNvSpPr>
-          <p:nvPr>
-            <p:ph type="title"/>
-          </p:nvPr>
-        </p:nvSpPr>
-        <p:spPr>
-          <a:xfrm>
-            <a:off x="830120" y="136030"/>
-            <a:ext cx="15705281" cy="863693"/>
-          </a:xfrm>
-        </p:spPr>
-        <p:txBody>
-          <a:bodyPr/>
-          <a:lstStyle/>
-          <a:p>
-            <a:r>
-              <a:rPr lang="nl-NL" dirty="0"/>
-              <a:t>UI: Responsieve webapplicatie</a:t>
-            </a:r>
-          </a:p>
-        </p:txBody>
-      </p:sp>
-      <p:sp>
-        <p:nvSpPr>
-          <p:cNvPr id="4" name="Tijdelijke aanduiding voor dianummer 3"/>
-          <p:cNvSpPr>
-            <a:spLocks noGrp="1"/>
-          </p:cNvSpPr>
-          <p:nvPr>
-            <p:ph type="sldNum" sz="quarter" idx="12"/>
-          </p:nvPr>
-        </p:nvSpPr>
-        <p:spPr/>
-        <p:txBody>
-          <a:bodyPr/>
-          <a:lstStyle/>
-          <a:p>
-            <a:fld id="{7AE184E0-0BD4-4705-A12B-9B71DDE63301}" type="slidenum">
-              <a:rPr lang="nl-BE" noProof="0" smtClean="0"/>
-              <a:t>11</a:t>
-            </a:fld>
-            <a:endParaRPr lang="nl-BE" noProof="0" dirty="0"/>
-          </a:p>
-        </p:txBody>
-      </p:sp>
-      <p:pic>
-        <p:nvPicPr>
-          <p:cNvPr id="13" name="Afbeelding 12">
-            <a:extLst>
-              <a:ext uri="{FF2B5EF4-FFF2-40B4-BE49-F238E27FC236}">
-                <a16:creationId xmlns:a16="http://schemas.microsoft.com/office/drawing/2014/main" id="{686C438A-B73E-4768-A795-647C0EC7D268}"/>
-              </a:ext>
-            </a:extLst>
-          </p:cNvPr>
-          <p:cNvPicPr>
-            <a:picLocks noChangeAspect="1"/>
-          </p:cNvPicPr>
-          <p:nvPr/>
-        </p:nvPicPr>
-        <p:blipFill>
-          <a:blip r:embed="rId2" cstate="print">
-            <a:extLst>
-              <a:ext uri="{28A0092B-C50C-407E-A947-70E740481C1C}">
-                <a14:useLocalDpi xmlns:a14="http://schemas.microsoft.com/office/drawing/2010/main" val="0"/>
-              </a:ext>
-            </a:extLst>
-          </a:blip>
-          <a:stretch>
-            <a:fillRect/>
-          </a:stretch>
-        </p:blipFill>
-        <p:spPr>
-          <a:xfrm>
-            <a:off x="7059533" y="1430741"/>
-            <a:ext cx="5826336" cy="7772242"/>
-          </a:xfrm>
-          <a:prstGeom prst="rect">
-            <a:avLst/>
-          </a:prstGeom>
-        </p:spPr>
-      </p:pic>
-      <p:pic>
-        <p:nvPicPr>
-          <p:cNvPr id="15" name="Afbeelding 14">
-            <a:extLst>
-              <a:ext uri="{FF2B5EF4-FFF2-40B4-BE49-F238E27FC236}">
-                <a16:creationId xmlns:a16="http://schemas.microsoft.com/office/drawing/2014/main" id="{FCFD0DBA-93D3-4313-9427-93351BCF5E8F}"/>
-              </a:ext>
-            </a:extLst>
-          </p:cNvPr>
-          <p:cNvPicPr>
-            <a:picLocks noChangeAspect="1"/>
-          </p:cNvPicPr>
-          <p:nvPr/>
-        </p:nvPicPr>
-        <p:blipFill>
-          <a:blip r:embed="rId3" cstate="print">
-            <a:extLst>
-              <a:ext uri="{28A0092B-C50C-407E-A947-70E740481C1C}">
-                <a14:useLocalDpi xmlns:a14="http://schemas.microsoft.com/office/drawing/2010/main" val="0"/>
-              </a:ext>
-            </a:extLst>
-          </a:blip>
-          <a:stretch>
-            <a:fillRect/>
-          </a:stretch>
-        </p:blipFill>
-        <p:spPr>
-          <a:xfrm>
-            <a:off x="12885872" y="3575267"/>
-            <a:ext cx="3165591" cy="5627716"/>
-          </a:xfrm>
-          <a:prstGeom prst="rect">
-            <a:avLst/>
-          </a:prstGeom>
-        </p:spPr>
-      </p:pic>
-      <p:pic>
-        <p:nvPicPr>
-          <p:cNvPr id="16" name="Afbeelding 15">
-            <a:extLst>
-              <a:ext uri="{FF2B5EF4-FFF2-40B4-BE49-F238E27FC236}">
-                <a16:creationId xmlns:a16="http://schemas.microsoft.com/office/drawing/2014/main" id="{50CC736B-AD8D-4A3F-9E48-CCDCE1CE8C07}"/>
-              </a:ext>
-            </a:extLst>
-          </p:cNvPr>
-          <p:cNvPicPr>
-            <a:picLocks noChangeAspect="1"/>
-          </p:cNvPicPr>
-          <p:nvPr/>
-        </p:nvPicPr>
-        <p:blipFill rotWithShape="1">
-          <a:blip r:embed="rId4"/>
-          <a:srcRect b="16693"/>
-          <a:stretch/>
-        </p:blipFill>
-        <p:spPr>
-          <a:xfrm>
-            <a:off x="431433" y="2560323"/>
-            <a:ext cx="6518333" cy="4319847"/>
-          </a:xfrm>
-          <a:prstGeom prst="rect">
-            <a:avLst/>
-          </a:prstGeom>
-          <a:effectLst>
-            <a:outerShdw blurRad="50800" dist="38100" dir="5400000" algn="t" rotWithShape="0">
-              <a:prstClr val="black">
-                <a:alpha val="40000"/>
-              </a:prstClr>
-            </a:outerShdw>
-          </a:effectLst>
-        </p:spPr>
-      </p:pic>
-    </p:spTree>
-    <p:extLst>
-      <p:ext uri="{BB962C8B-B14F-4D97-AF65-F5344CB8AC3E}">
-        <p14:creationId xmlns:p14="http://schemas.microsoft.com/office/powerpoint/2010/main" val="1859597598"/>
       </p:ext>
     </p:extLst>
   </p:cSld>
@@ -4319,7 +4342,7 @@
           <a:p>
             <a:r>
               <a:rPr lang="nl-NL" dirty="0"/>
-              <a:t>Native mobiele applicatie</a:t>
+              <a:t>‘Native’ Android applicatie</a:t>
             </a:r>
           </a:p>
           <a:p>
@@ -5217,6 +5240,194 @@
           <a:p>
             <a:r>
               <a:rPr lang="nl-NL" dirty="0"/>
+              <a:t>UI: Responsieve webapplicatie</a:t>
+            </a:r>
+          </a:p>
+        </p:txBody>
+      </p:sp>
+      <p:sp>
+        <p:nvSpPr>
+          <p:cNvPr id="4" name="Tijdelijke aanduiding voor dianummer 3"/>
+          <p:cNvSpPr>
+            <a:spLocks noGrp="1"/>
+          </p:cNvSpPr>
+          <p:nvPr>
+            <p:ph type="sldNum" sz="quarter" idx="12"/>
+          </p:nvPr>
+        </p:nvSpPr>
+        <p:spPr/>
+        <p:txBody>
+          <a:bodyPr/>
+          <a:lstStyle/>
+          <a:p>
+            <a:fld id="{7AE184E0-0BD4-4705-A12B-9B71DDE63301}" type="slidenum">
+              <a:rPr lang="nl-BE" noProof="0" smtClean="0"/>
+              <a:t>8</a:t>
+            </a:fld>
+            <a:endParaRPr lang="nl-BE" noProof="0" dirty="0"/>
+          </a:p>
+        </p:txBody>
+      </p:sp>
+      <p:pic>
+        <p:nvPicPr>
+          <p:cNvPr id="13" name="Afbeelding 12">
+            <a:extLst>
+              <a:ext uri="{FF2B5EF4-FFF2-40B4-BE49-F238E27FC236}">
+                <a16:creationId xmlns:a16="http://schemas.microsoft.com/office/drawing/2014/main" id="{686C438A-B73E-4768-A795-647C0EC7D268}"/>
+              </a:ext>
+            </a:extLst>
+          </p:cNvPr>
+          <p:cNvPicPr>
+            <a:picLocks noChangeAspect="1"/>
+          </p:cNvPicPr>
+          <p:nvPr/>
+        </p:nvPicPr>
+        <p:blipFill>
+          <a:blip r:embed="rId2" cstate="print">
+            <a:extLst>
+              <a:ext uri="{28A0092B-C50C-407E-A947-70E740481C1C}">
+                <a14:useLocalDpi xmlns:a14="http://schemas.microsoft.com/office/drawing/2010/main" val="0"/>
+              </a:ext>
+            </a:extLst>
+          </a:blip>
+          <a:stretch>
+            <a:fillRect/>
+          </a:stretch>
+        </p:blipFill>
+        <p:spPr>
+          <a:xfrm>
+            <a:off x="7059533" y="1430741"/>
+            <a:ext cx="5826336" cy="7772242"/>
+          </a:xfrm>
+          <a:prstGeom prst="rect">
+            <a:avLst/>
+          </a:prstGeom>
+        </p:spPr>
+      </p:pic>
+      <p:pic>
+        <p:nvPicPr>
+          <p:cNvPr id="15" name="Afbeelding 14">
+            <a:extLst>
+              <a:ext uri="{FF2B5EF4-FFF2-40B4-BE49-F238E27FC236}">
+                <a16:creationId xmlns:a16="http://schemas.microsoft.com/office/drawing/2014/main" id="{FCFD0DBA-93D3-4313-9427-93351BCF5E8F}"/>
+              </a:ext>
+            </a:extLst>
+          </p:cNvPr>
+          <p:cNvPicPr>
+            <a:picLocks noChangeAspect="1"/>
+          </p:cNvPicPr>
+          <p:nvPr/>
+        </p:nvPicPr>
+        <p:blipFill>
+          <a:blip r:embed="rId3" cstate="print">
+            <a:extLst>
+              <a:ext uri="{28A0092B-C50C-407E-A947-70E740481C1C}">
+                <a14:useLocalDpi xmlns:a14="http://schemas.microsoft.com/office/drawing/2010/main" val="0"/>
+              </a:ext>
+            </a:extLst>
+          </a:blip>
+          <a:stretch>
+            <a:fillRect/>
+          </a:stretch>
+        </p:blipFill>
+        <p:spPr>
+          <a:xfrm>
+            <a:off x="12885872" y="3575267"/>
+            <a:ext cx="3165591" cy="5627716"/>
+          </a:xfrm>
+          <a:prstGeom prst="rect">
+            <a:avLst/>
+          </a:prstGeom>
+        </p:spPr>
+      </p:pic>
+      <p:pic>
+        <p:nvPicPr>
+          <p:cNvPr id="16" name="Afbeelding 15">
+            <a:extLst>
+              <a:ext uri="{FF2B5EF4-FFF2-40B4-BE49-F238E27FC236}">
+                <a16:creationId xmlns:a16="http://schemas.microsoft.com/office/drawing/2014/main" id="{50CC736B-AD8D-4A3F-9E48-CCDCE1CE8C07}"/>
+              </a:ext>
+            </a:extLst>
+          </p:cNvPr>
+          <p:cNvPicPr>
+            <a:picLocks noChangeAspect="1"/>
+          </p:cNvPicPr>
+          <p:nvPr/>
+        </p:nvPicPr>
+        <p:blipFill rotWithShape="1">
+          <a:blip r:embed="rId4"/>
+          <a:srcRect b="16693"/>
+          <a:stretch/>
+        </p:blipFill>
+        <p:spPr>
+          <a:xfrm>
+            <a:off x="431433" y="2560323"/>
+            <a:ext cx="6518333" cy="4319847"/>
+          </a:xfrm>
+          <a:prstGeom prst="rect">
+            <a:avLst/>
+          </a:prstGeom>
+          <a:effectLst>
+            <a:outerShdw blurRad="50800" dist="38100" dir="5400000" algn="t" rotWithShape="0">
+              <a:prstClr val="black">
+                <a:alpha val="40000"/>
+              </a:prstClr>
+            </a:outerShdw>
+          </a:effectLst>
+        </p:spPr>
+      </p:pic>
+    </p:spTree>
+    <p:extLst>
+      <p:ext uri="{BB962C8B-B14F-4D97-AF65-F5344CB8AC3E}">
+        <p14:creationId xmlns:p14="http://schemas.microsoft.com/office/powerpoint/2010/main" val="1859597598"/>
+      </p:ext>
+    </p:extLst>
+  </p:cSld>
+  <p:clrMapOvr>
+    <a:masterClrMapping/>
+  </p:clrMapOvr>
+</p:sld>
+</file>
+
+<file path=ppt/slides/slide9.xml><?xml version="1.0" encoding="utf-8"?>
+<p:sld xmlns:a="http://schemas.openxmlformats.org/drawingml/2006/main" xmlns:r="http://schemas.openxmlformats.org/officeDocument/2006/relationships" xmlns:p="http://schemas.openxmlformats.org/presentationml/2006/main">
+  <p:cSld>
+    <p:spTree>
+      <p:nvGrpSpPr>
+        <p:cNvPr id="1" name=""/>
+        <p:cNvGrpSpPr/>
+        <p:nvPr/>
+      </p:nvGrpSpPr>
+      <p:grpSpPr>
+        <a:xfrm>
+          <a:off x="0" y="0"/>
+          <a:ext cx="0" cy="0"/>
+          <a:chOff x="0" y="0"/>
+          <a:chExt cx="0" cy="0"/>
+        </a:xfrm>
+      </p:grpSpPr>
+      <p:sp>
+        <p:nvSpPr>
+          <p:cNvPr id="2" name="Titel 1"/>
+          <p:cNvSpPr>
+            <a:spLocks noGrp="1"/>
+          </p:cNvSpPr>
+          <p:nvPr>
+            <p:ph type="title"/>
+          </p:nvPr>
+        </p:nvSpPr>
+        <p:spPr>
+          <a:xfrm>
+            <a:off x="830120" y="136030"/>
+            <a:ext cx="15705281" cy="863693"/>
+          </a:xfrm>
+        </p:spPr>
+        <p:txBody>
+          <a:bodyPr/>
+          <a:lstStyle/>
+          <a:p>
+            <a:r>
+              <a:rPr lang="nl-NL" dirty="0"/>
               <a:t>Vliegroutes valideren</a:t>
             </a:r>
           </a:p>
@@ -5316,7 +5527,7 @@
           <a:p>
             <a:fld id="{7AE184E0-0BD4-4705-A12B-9B71DDE63301}" type="slidenum">
               <a:rPr lang="nl-BE" noProof="0" smtClean="0"/>
-              <a:t>8</a:t>
+              <a:t>9</a:t>
             </a:fld>
             <a:endParaRPr lang="nl-BE" noProof="0" dirty="0"/>
           </a:p>
@@ -5373,217 +5584,6 @@
     <p:extLst>
       <p:ext uri="{BB962C8B-B14F-4D97-AF65-F5344CB8AC3E}">
         <p14:creationId xmlns:p14="http://schemas.microsoft.com/office/powerpoint/2010/main" val="3677996633"/>
-      </p:ext>
-    </p:extLst>
-  </p:cSld>
-  <p:clrMapOvr>
-    <a:masterClrMapping/>
-  </p:clrMapOvr>
-</p:sld>
-</file>
-
-<file path=ppt/slides/slide9.xml><?xml version="1.0" encoding="utf-8"?>
-<p:sld xmlns:a="http://schemas.openxmlformats.org/drawingml/2006/main" xmlns:r="http://schemas.openxmlformats.org/officeDocument/2006/relationships" xmlns:p="http://schemas.openxmlformats.org/presentationml/2006/main">
-  <p:cSld>
-    <p:spTree>
-      <p:nvGrpSpPr>
-        <p:cNvPr id="1" name=""/>
-        <p:cNvGrpSpPr/>
-        <p:nvPr/>
-      </p:nvGrpSpPr>
-      <p:grpSpPr>
-        <a:xfrm>
-          <a:off x="0" y="0"/>
-          <a:ext cx="0" cy="0"/>
-          <a:chOff x="0" y="0"/>
-          <a:chExt cx="0" cy="0"/>
-        </a:xfrm>
-      </p:grpSpPr>
-      <p:sp>
-        <p:nvSpPr>
-          <p:cNvPr id="2" name="Titel 1"/>
-          <p:cNvSpPr>
-            <a:spLocks noGrp="1"/>
-          </p:cNvSpPr>
-          <p:nvPr>
-            <p:ph type="title"/>
-          </p:nvPr>
-        </p:nvSpPr>
-        <p:spPr>
-          <a:xfrm>
-            <a:off x="830120" y="136030"/>
-            <a:ext cx="15705281" cy="863693"/>
-          </a:xfrm>
-        </p:spPr>
-        <p:txBody>
-          <a:bodyPr/>
-          <a:lstStyle/>
-          <a:p>
-            <a:r>
-              <a:rPr lang="nl-NL" dirty="0" err="1"/>
-              <a:t>Mockup</a:t>
-            </a:r>
-            <a:r>
-              <a:rPr lang="nl-NL" dirty="0"/>
-              <a:t> Drone</a:t>
-            </a:r>
-          </a:p>
-        </p:txBody>
-      </p:sp>
-      <p:sp>
-        <p:nvSpPr>
-          <p:cNvPr id="3" name="Tijdelijke aanduiding voor inhoud 2"/>
-          <p:cNvSpPr>
-            <a:spLocks noGrp="1"/>
-          </p:cNvSpPr>
-          <p:nvPr>
-            <p:ph idx="1"/>
-          </p:nvPr>
-        </p:nvSpPr>
-        <p:spPr/>
-        <p:txBody>
-          <a:bodyPr>
-            <a:normAutofit lnSpcReduction="10000"/>
-          </a:bodyPr>
-          <a:lstStyle/>
-          <a:p>
-            <a:r>
-              <a:rPr lang="nl-NL" dirty="0"/>
-              <a:t>Python</a:t>
-            </a:r>
-          </a:p>
-          <a:p>
-            <a:r>
-              <a:rPr lang="nl-NL" dirty="0"/>
-              <a:t>Ontvangen van commando signalen	</a:t>
-            </a:r>
-          </a:p>
-          <a:p>
-            <a:pPr lvl="1"/>
-            <a:r>
-              <a:rPr lang="nl-NL" dirty="0"/>
-              <a:t>Start, stop, pauzeer</a:t>
-            </a:r>
-          </a:p>
-          <a:p>
-            <a:pPr lvl="1"/>
-            <a:r>
-              <a:rPr lang="nl-NL" dirty="0"/>
-              <a:t>Vliegen naar een coördinaat</a:t>
-            </a:r>
-          </a:p>
-          <a:p>
-            <a:pPr lvl="1"/>
-            <a:r>
-              <a:rPr lang="nl-NL" dirty="0"/>
-              <a:t>Scannen van een locatie</a:t>
-            </a:r>
-          </a:p>
-          <a:p>
-            <a:r>
-              <a:rPr lang="nl-NL" dirty="0"/>
-              <a:t>Versturen van data</a:t>
-            </a:r>
-          </a:p>
-          <a:p>
-            <a:pPr lvl="1"/>
-            <a:r>
-              <a:rPr lang="nl-NL" dirty="0"/>
-              <a:t>Vlucht data (positie, oriëntatie…)</a:t>
-            </a:r>
-          </a:p>
-          <a:p>
-            <a:pPr lvl="1"/>
-            <a:r>
-              <a:rPr lang="nl-NL" dirty="0"/>
-              <a:t>Gescande items</a:t>
-            </a:r>
-          </a:p>
-          <a:p>
-            <a:endParaRPr lang="nl-NL" dirty="0"/>
-          </a:p>
-          <a:p>
-            <a:endParaRPr lang="nl-NL" dirty="0"/>
-          </a:p>
-          <a:p>
-            <a:endParaRPr lang="nl-NL" dirty="0"/>
-          </a:p>
-        </p:txBody>
-      </p:sp>
-      <p:sp>
-        <p:nvSpPr>
-          <p:cNvPr id="4" name="Tijdelijke aanduiding voor dianummer 3"/>
-          <p:cNvSpPr>
-            <a:spLocks noGrp="1"/>
-          </p:cNvSpPr>
-          <p:nvPr>
-            <p:ph type="sldNum" sz="quarter" idx="12"/>
-          </p:nvPr>
-        </p:nvSpPr>
-        <p:spPr/>
-        <p:txBody>
-          <a:bodyPr/>
-          <a:lstStyle/>
-          <a:p>
-            <a:fld id="{7AE184E0-0BD4-4705-A12B-9B71DDE63301}" type="slidenum">
-              <a:rPr lang="nl-BE" noProof="0" smtClean="0"/>
-              <a:t>9</a:t>
-            </a:fld>
-            <a:endParaRPr lang="nl-BE" noProof="0" dirty="0"/>
-          </a:p>
-        </p:txBody>
-      </p:sp>
-      <p:pic>
-        <p:nvPicPr>
-          <p:cNvPr id="5" name="Picture 2" descr="Afbeeldingsresultaat voor a* gif">
-            <a:extLst>
-              <a:ext uri="{FF2B5EF4-FFF2-40B4-BE49-F238E27FC236}">
-                <a16:creationId xmlns:a16="http://schemas.microsoft.com/office/drawing/2014/main" id="{C08C1F8C-C3B2-47D0-BB31-0095B436CD62}"/>
-              </a:ext>
-            </a:extLst>
-          </p:cNvPr>
-          <p:cNvPicPr>
-            <a:picLocks noChangeAspect="1" noChangeArrowheads="1" noCrop="1"/>
-          </p:cNvPicPr>
-          <p:nvPr/>
-        </p:nvPicPr>
-        <p:blipFill>
-          <a:blip r:embed="rId2" cstate="print">
-            <a:extLst>
-              <a:ext uri="{28A0092B-C50C-407E-A947-70E740481C1C}">
-                <a14:useLocalDpi xmlns:a14="http://schemas.microsoft.com/office/drawing/2010/main" val="0"/>
-              </a:ext>
-            </a:extLst>
-          </a:blip>
-          <a:srcRect/>
-          <a:stretch>
-            <a:fillRect/>
-          </a:stretch>
-        </p:blipFill>
-        <p:spPr bwMode="auto">
-          <a:xfrm>
-            <a:off x="1447799" y="9075040"/>
-            <a:ext cx="270320" cy="266616"/>
-          </a:xfrm>
-          <a:prstGeom prst="rect">
-            <a:avLst/>
-          </a:prstGeom>
-          <a:noFill/>
-          <a:extLst>
-            <a:ext uri="{909E8E84-426E-40DD-AFC4-6F175D3DCCD1}">
-              <a14:hiddenFill xmlns:a14="http://schemas.microsoft.com/office/drawing/2010/main">
-                <a:solidFill>
-                  <a:srgbClr val="FFFFFF"/>
-                </a:solidFill>
-              </a14:hiddenFill>
-            </a:ext>
-          </a:extLst>
-        </p:spPr>
-      </p:pic>
-    </p:spTree>
-    <p:extLst>
-      <p:ext uri="{BB962C8B-B14F-4D97-AF65-F5344CB8AC3E}">
-        <p14:creationId xmlns:p14="http://schemas.microsoft.com/office/powerpoint/2010/main" val="3841936152"/>
       </p:ext>
     </p:extLst>
   </p:cSld>

--- a/presentaties/PresentatieSprint2.pptx
+++ b/presentaties/PresentatieSprint2.pptx
@@ -219,7 +219,7 @@
           <a:p>
             <a:fld id="{86680C0C-85DF-417F-8238-DB0D15743621}" type="datetimeFigureOut">
               <a:rPr lang="en-GB" smtClean="0"/>
-              <a:t>23/04/2019</a:t>
+              <a:t>24/04/2019</a:t>
             </a:fld>
             <a:endParaRPr lang="en-GB"/>
           </a:p>
@@ -699,7 +699,7 @@
           <a:p>
             <a:fld id="{5A24147F-ED97-47AF-A1B3-C82A179CF7F3}" type="datetime1">
               <a:rPr lang="nl-NL" smtClean="0"/>
-              <a:t>23-4-2019</a:t>
+              <a:t>24-4-2019</a:t>
             </a:fld>
             <a:endParaRPr lang="en-GB"/>
           </a:p>
@@ -1777,7 +1777,7 @@
           <a:p>
             <a:fld id="{25470885-0B31-4E06-AE71-7E16801F2838}" type="datetime1">
               <a:rPr lang="nl-BE" noProof="0" smtClean="0"/>
-              <a:t>23/04/2019</a:t>
+              <a:t>24/04/2019</a:t>
             </a:fld>
             <a:endParaRPr lang="nl-BE" noProof="0" dirty="0"/>
           </a:p>
@@ -1895,7 +1895,7 @@
           <a:p>
             <a:fld id="{E7410F60-8C93-4C37-B51A-4DDAE36F7E9B}" type="datetime1">
               <a:rPr lang="nl-BE" noProof="0" smtClean="0"/>
-              <a:t>23/04/2019</a:t>
+              <a:t>24/04/2019</a:t>
             </a:fld>
             <a:endParaRPr lang="nl-BE" noProof="0" dirty="0"/>
           </a:p>
@@ -2174,7 +2174,7 @@
           <a:p>
             <a:fld id="{656594B6-17DF-4759-A7A5-128AFEA77F2C}" type="datetime1">
               <a:rPr lang="nl-BE" noProof="0" smtClean="0"/>
-              <a:t>23/04/2019</a:t>
+              <a:t>24/04/2019</a:t>
             </a:fld>
             <a:endParaRPr lang="nl-BE" noProof="0" dirty="0"/>
           </a:p>
@@ -2315,7 +2315,7 @@
           <a:p>
             <a:fld id="{66A81384-1200-4D40-BEF0-3A17A1F906F4}" type="datetime1">
               <a:rPr lang="nl-NL" noProof="0" smtClean="0"/>
-              <a:t>23-4-2019</a:t>
+              <a:t>24-4-2019</a:t>
             </a:fld>
             <a:endParaRPr lang="nl-NL" noProof="0" dirty="0"/>
           </a:p>
@@ -2856,7 +2856,7 @@
           <a:p>
             <a:fld id="{FA870D1A-A3AB-4E9F-892E-C45B5A80FDBF}" type="datetime1">
               <a:rPr lang="nl-BE" noProof="0" smtClean="0"/>
-              <a:t>23/04/2019</a:t>
+              <a:t>24/04/2019</a:t>
             </a:fld>
             <a:endParaRPr lang="nl-BE" noProof="0" dirty="0"/>
           </a:p>
@@ -4484,8 +4484,20 @@
             <a:pPr lvl="1"/>
             <a:r>
               <a:rPr lang="nl-NL" dirty="0"/>
-              <a:t>Ankerpunten</a:t>
-            </a:r>
+              <a:t>Ankerpunten </a:t>
+            </a:r>
+          </a:p>
+          <a:p>
+            <a:pPr marL="1305676" lvl="2" indent="0">
+              <a:buNone/>
+            </a:pPr>
+            <a:r>
+              <a:rPr lang="nl-NL" dirty="0">
+                <a:sym typeface="Wingdings" panose="05000000000000000000" pitchFamily="2" charset="2"/>
+              </a:rPr>
+              <a:t> verhouding pixels  coördinatenstelsel bepalen</a:t>
+            </a:r>
+            <a:endParaRPr lang="nl-NL" dirty="0"/>
           </a:p>
           <a:p>
             <a:endParaRPr lang="nl-NL" dirty="0"/>
@@ -4906,7 +4918,12 @@
             <p:ph idx="1"/>
           </p:nvPr>
         </p:nvSpPr>
-        <p:spPr/>
+        <p:spPr>
+          <a:xfrm>
+            <a:off x="835825" y="1194364"/>
+            <a:ext cx="15699575" cy="7342807"/>
+          </a:xfrm>
+        </p:spPr>
         <p:txBody>
           <a:bodyPr>
             <a:normAutofit fontScale="70000" lnSpcReduction="20000"/>
@@ -5055,6 +5072,14 @@
               <a:rPr lang="nl-NL" dirty="0"/>
               <a:t>Live visualisatie van de drone (positie, oriëntatie/richting)</a:t>
             </a:r>
+          </a:p>
+          <a:p>
+            <a:pPr lvl="1"/>
+            <a:r>
+              <a:rPr lang="nl-NL" dirty="0" err="1"/>
+              <a:t>GeoJSON</a:t>
+            </a:r>
+            <a:endParaRPr lang="nl-NL" dirty="0"/>
           </a:p>
           <a:p>
             <a:endParaRPr lang="nl-NL" dirty="0"/>
